--- a/iot/NodeJs1_Ancona.pptx
+++ b/iot/NodeJs1_Ancona.pptx
@@ -376,7 +376,7 @@
             <a:pPr indent="0" algn="r">
               <a:buNone/>
             </a:pPr>
-            <a:fld id="{4B3903F9-E193-4807-A96E-94CBF980C0F4}" type="slidenum">
+            <a:fld id="{8E8849E9-26ED-478A-A174-734348D438DF}" type="slidenum">
               <a:rPr b="0" lang="en-US" sz="1400" spc="-1" strike="noStrike">
                 <a:solidFill>
                   <a:srgbClr val="000000"/>
@@ -398,107 +398,6 @@
   </p:cSld>
   <p:clrMap bg1="lt1" bg2="lt2" tx1="dk1" tx2="dk2" accent1="accent1" accent2="accent2" accent3="accent3" accent4="accent4" accent5="accent5" accent6="accent6" hlink="hlink" folHlink="folHlink"/>
 </p:notesMaster>
-</file>
-
-<file path=ppt/notesSlides/notesSlide1.xml><?xml version="1.0" encoding="utf-8"?>
-<p:notes xmlns:a="http://schemas.openxmlformats.org/drawingml/2006/main" xmlns:p="http://schemas.openxmlformats.org/presentationml/2006/main" xmlns:r="http://schemas.openxmlformats.org/officeDocument/2006/relationships" xmlns:p14="http://schemas.microsoft.com/office/powerpoint/2010/main" xmlns:p15="http://schemas.microsoft.com/office/powerpoint/2012/main" xmlns:mc="http://schemas.openxmlformats.org/markup-compatibility/2006">
-  <p:cSld>
-    <p:spTree>
-      <p:nvGrpSpPr>
-        <p:cNvPr id="1" name=""/>
-        <p:cNvGrpSpPr/>
-        <p:nvPr/>
-      </p:nvGrpSpPr>
-      <p:grpSpPr>
-        <a:xfrm>
-          <a:off x="0" y="0"/>
-          <a:ext cx="0" cy="0"/>
-          <a:chOff x="0" y="0"/>
-          <a:chExt cx="0" cy="0"/>
-        </a:xfrm>
-      </p:grpSpPr>
-      <p:sp>
-        <p:nvSpPr>
-          <p:cNvPr id="262" name="PlaceHolder 1"/>
-          <p:cNvSpPr>
-            <a:spLocks noGrp="1"/>
-          </p:cNvSpPr>
-          <p:nvPr>
-            <p:ph type="body"/>
-          </p:nvPr>
-        </p:nvSpPr>
-        <p:spPr>
-          <a:xfrm>
-            <a:off x="756000" y="5078520"/>
-            <a:ext cx="6047280" cy="4811040"/>
-          </a:xfrm>
-          <a:prstGeom prst="rect">
-            <a:avLst/>
-          </a:prstGeom>
-          <a:noFill/>
-          <a:ln w="0">
-            <a:noFill/>
-          </a:ln>
-        </p:spPr>
-        <p:txBody>
-          <a:bodyPr lIns="91440" rIns="91440" tIns="91440" bIns="91440" anchor="ctr">
-            <a:noAutofit/>
-          </a:bodyPr>
-          <a:p>
-            <a:pPr indent="0">
-              <a:lnSpc>
-                <a:spcPct val="100000"/>
-              </a:lnSpc>
-              <a:buNone/>
-              <a:tabLst>
-                <a:tab algn="l" pos="0"/>
-              </a:tabLst>
-            </a:pPr>
-            <a:r>
-              <a:rPr b="0" lang="it-IT" sz="1200" spc="-1" strike="noStrike">
-                <a:solidFill>
-                  <a:srgbClr val="000000"/>
-                </a:solidFill>
-                <a:latin typeface="Arial"/>
-                <a:ea typeface="Arial"/>
-              </a:rPr>
-              <a:t>In questo modulo vedremo quali tipo di architetture si possono usare per supportare un esperimento diffuso di biomonitoraggio utilizzando principi e tecnologie per internet delle cose e big data</a:t>
-            </a:r>
-            <a:endParaRPr b="0" lang="en-US" sz="1200" spc="-1" strike="noStrike">
-              <a:solidFill>
-                <a:srgbClr val="000000"/>
-              </a:solidFill>
-              <a:latin typeface="Arial"/>
-            </a:endParaRPr>
-          </a:p>
-        </p:txBody>
-      </p:sp>
-      <p:sp>
-        <p:nvSpPr>
-          <p:cNvPr id="263" name="PlaceHolder 2"/>
-          <p:cNvSpPr>
-            <a:spLocks noGrp="1"/>
-          </p:cNvSpPr>
-          <p:nvPr>
-            <p:ph type="sldImg"/>
-          </p:nvPr>
-        </p:nvSpPr>
-        <p:spPr>
-          <a:xfrm>
-            <a:off x="1108080" y="801720"/>
-            <a:ext cx="5344920" cy="4009680"/>
-          </a:xfrm>
-          <a:prstGeom prst="rect">
-            <a:avLst/>
-          </a:prstGeom>
-          <a:ln w="0">
-            <a:noFill/>
-          </a:ln>
-        </p:spPr>
-      </p:sp>
-    </p:spTree>
-  </p:cSld>
-</p:notes>
 </file>
 
 <file path=ppt/notesSlides/notesSlide10.xml><?xml version="1.0" encoding="utf-8"?>
@@ -520,7 +419,7 @@
       </p:grpSpPr>
       <p:sp>
         <p:nvSpPr>
-          <p:cNvPr id="287" name="PlaceHolder 1"/>
+          <p:cNvPr id="276" name="PlaceHolder 1"/>
           <p:cNvSpPr>
             <a:spLocks noGrp="1"/>
           </p:cNvSpPr>
@@ -579,7 +478,7 @@
                 <a:tab algn="l" pos="2895480"/>
               </a:tabLst>
             </a:pPr>
-            <a:fld id="{B4C55BB6-C2BC-425F-9FB1-D7CA95AC612D}" type="slidenum">
+            <a:fld id="{3450A8CF-62F4-4C2C-92AA-85A1014125AB}" type="slidenum">
               <a:rPr b="0" lang="it-IT" sz="1400" spc="-1" strike="noStrike">
                 <a:solidFill>
                   <a:srgbClr val="000000"/>
@@ -600,7 +499,7 @@
       </p:sp>
       <p:sp>
         <p:nvSpPr>
-          <p:cNvPr id="288" name="PlaceHolder 2"/>
+          <p:cNvPr id="277" name="PlaceHolder 2"/>
           <p:cNvSpPr>
             <a:spLocks noGrp="1"/>
           </p:cNvSpPr>
@@ -620,441 +519,6 @@
             <a:noFill/>
           </a:ln>
         </p:spPr>
-      </p:sp>
-      <p:sp>
-        <p:nvSpPr>
-          <p:cNvPr id="289" name="PlaceHolder 3"/>
-          <p:cNvSpPr>
-            <a:spLocks noGrp="1"/>
-          </p:cNvSpPr>
-          <p:nvPr>
-            <p:ph type="body"/>
-          </p:nvPr>
-        </p:nvSpPr>
-        <p:spPr>
-          <a:xfrm>
-            <a:off x="755640" y="5078520"/>
-            <a:ext cx="6048000" cy="4811400"/>
-          </a:xfrm>
-          <a:prstGeom prst="rect">
-            <a:avLst/>
-          </a:prstGeom>
-          <a:noFill/>
-          <a:ln w="0">
-            <a:noFill/>
-          </a:ln>
-        </p:spPr>
-        <p:txBody>
-          <a:bodyPr lIns="91440" rIns="91440" tIns="91440" bIns="91440" anchor="ctr">
-            <a:noAutofit/>
-          </a:bodyPr>
-          <a:p>
-            <a:pPr marL="457200" indent="-298440">
-              <a:lnSpc>
-                <a:spcPct val="100000"/>
-              </a:lnSpc>
-              <a:buClr>
-                <a:srgbClr val="000000"/>
-              </a:buClr>
-              <a:buFont typeface="Arial"/>
-              <a:buChar char="●"/>
-            </a:pPr>
-            <a:r>
-              <a:rPr b="1" lang="it-IT" sz="1200" spc="-1" strike="noStrike">
-                <a:solidFill>
-                  <a:srgbClr val="000000"/>
-                </a:solidFill>
-                <a:latin typeface="Arial"/>
-                <a:ea typeface="Arial"/>
-              </a:rPr>
-              <a:t>L'Internet degli cose </a:t>
-            </a:r>
-            <a:r>
-              <a:rPr b="0" lang="it-IT" sz="1200" spc="-1" strike="noStrike">
-                <a:solidFill>
-                  <a:srgbClr val="000000"/>
-                </a:solidFill>
-                <a:latin typeface="Arial"/>
-                <a:ea typeface="Arial"/>
-              </a:rPr>
-              <a:t>è la rete di </a:t>
-            </a:r>
-            <a:br>
-              <a:rPr sz="1200"/>
-            </a:br>
-            <a:r>
-              <a:rPr b="0" lang="it-IT" sz="1200" spc="-1" strike="noStrike">
-                <a:solidFill>
-                  <a:srgbClr val="000000"/>
-                </a:solidFill>
-                <a:latin typeface="Arial"/>
-                <a:ea typeface="Arial"/>
-              </a:rPr>
-              <a:t>oggetti intelligenti che contengono </a:t>
-            </a:r>
-            <a:br>
-              <a:rPr sz="1200"/>
-            </a:br>
-            <a:r>
-              <a:rPr b="0" lang="it-IT" sz="1200" spc="-1" strike="noStrike">
-                <a:solidFill>
-                  <a:srgbClr val="000000"/>
-                </a:solidFill>
-                <a:latin typeface="Arial"/>
-                <a:ea typeface="Arial"/>
-              </a:rPr>
-              <a:t>una tecnologia incorporata per </a:t>
-            </a:r>
-            <a:br>
-              <a:rPr sz="1200"/>
-            </a:br>
-            <a:r>
-              <a:rPr b="0" lang="it-IT" sz="1200" spc="-1" strike="noStrike">
-                <a:solidFill>
-                  <a:srgbClr val="000000"/>
-                </a:solidFill>
-                <a:latin typeface="Arial"/>
-                <a:ea typeface="Arial"/>
-              </a:rPr>
-              <a:t>comunicare e percepire o interagire </a:t>
-            </a:r>
-            <a:br>
-              <a:rPr sz="1200"/>
-            </a:br>
-            <a:r>
-              <a:rPr b="0" lang="it-IT" sz="1200" spc="-1" strike="noStrike">
-                <a:solidFill>
-                  <a:srgbClr val="000000"/>
-                </a:solidFill>
-                <a:latin typeface="Arial"/>
-                <a:ea typeface="Arial"/>
-              </a:rPr>
-              <a:t>con l'ambiente esterno.</a:t>
-            </a:r>
-            <a:endParaRPr b="0" lang="en-US" sz="1200" spc="-1" strike="noStrike">
-              <a:solidFill>
-                <a:srgbClr val="000000"/>
-              </a:solidFill>
-              <a:latin typeface="Arial"/>
-            </a:endParaRPr>
-          </a:p>
-          <a:p>
-            <a:pPr indent="0">
-              <a:lnSpc>
-                <a:spcPct val="100000"/>
-              </a:lnSpc>
-              <a:buNone/>
-            </a:pPr>
-            <a:endParaRPr b="0" lang="en-US" sz="1200" spc="-1" strike="noStrike">
-              <a:solidFill>
-                <a:srgbClr val="000000"/>
-              </a:solidFill>
-              <a:latin typeface="Arial"/>
-            </a:endParaRPr>
-          </a:p>
-          <a:p>
-            <a:pPr marL="457200" indent="-298440">
-              <a:lnSpc>
-                <a:spcPct val="100000"/>
-              </a:lnSpc>
-              <a:buClr>
-                <a:srgbClr val="000000"/>
-              </a:buClr>
-              <a:buFont typeface="Arial"/>
-              <a:buChar char="●"/>
-            </a:pPr>
-            <a:r>
-              <a:rPr b="0" lang="it-IT" sz="1200" spc="-1" strike="noStrike">
-                <a:solidFill>
-                  <a:srgbClr val="000000"/>
-                </a:solidFill>
-                <a:latin typeface="Arial"/>
-                <a:ea typeface="Arial"/>
-              </a:rPr>
-              <a:t>Una volta che un oggetto intelligente </a:t>
-            </a:r>
-            <a:br>
-              <a:rPr sz="1200"/>
-            </a:br>
-            <a:r>
-              <a:rPr b="0" lang="it-IT" sz="1200" spc="-1" strike="noStrike">
-                <a:solidFill>
-                  <a:srgbClr val="000000"/>
-                </a:solidFill>
-                <a:latin typeface="Arial"/>
-                <a:ea typeface="Arial"/>
-              </a:rPr>
-              <a:t>viene connesso a Internet, </a:t>
-            </a:r>
-            <a:br>
-              <a:rPr sz="1200"/>
-            </a:br>
-            <a:r>
-              <a:rPr b="0" lang="it-IT" sz="1200" spc="-1" strike="noStrike">
-                <a:solidFill>
-                  <a:srgbClr val="000000"/>
-                </a:solidFill>
-                <a:latin typeface="Arial"/>
-                <a:ea typeface="Arial"/>
-              </a:rPr>
-              <a:t>i suoi servizi diventano parte </a:t>
-            </a:r>
-            <a:br>
-              <a:rPr sz="1200"/>
-            </a:br>
-            <a:r>
-              <a:rPr b="0" lang="it-IT" sz="1200" spc="-1" strike="noStrike">
-                <a:solidFill>
-                  <a:srgbClr val="000000"/>
-                </a:solidFill>
-                <a:latin typeface="Arial"/>
-                <a:ea typeface="Arial"/>
-              </a:rPr>
-              <a:t>della rete stessa</a:t>
-            </a:r>
-            <a:endParaRPr b="0" lang="en-US" sz="1200" spc="-1" strike="noStrike">
-              <a:solidFill>
-                <a:srgbClr val="000000"/>
-              </a:solidFill>
-              <a:latin typeface="Arial"/>
-            </a:endParaRPr>
-          </a:p>
-          <a:p>
-            <a:pPr indent="0">
-              <a:lnSpc>
-                <a:spcPct val="100000"/>
-              </a:lnSpc>
-              <a:buNone/>
-            </a:pPr>
-            <a:endParaRPr b="0" lang="en-US" sz="2400" spc="-1" strike="noStrike">
-              <a:solidFill>
-                <a:srgbClr val="000000"/>
-              </a:solidFill>
-              <a:latin typeface="Arial"/>
-            </a:endParaRPr>
-          </a:p>
-        </p:txBody>
-      </p:sp>
-    </p:spTree>
-  </p:cSld>
-</p:notes>
-</file>
-
-<file path=ppt/notesSlides/notesSlide11.xml><?xml version="1.0" encoding="utf-8"?>
-<p:notes xmlns:a="http://schemas.openxmlformats.org/drawingml/2006/main" xmlns:p="http://schemas.openxmlformats.org/presentationml/2006/main" xmlns:r="http://schemas.openxmlformats.org/officeDocument/2006/relationships" xmlns:p14="http://schemas.microsoft.com/office/powerpoint/2010/main" xmlns:p15="http://schemas.microsoft.com/office/powerpoint/2012/main" xmlns:mc="http://schemas.openxmlformats.org/markup-compatibility/2006">
-  <p:cSld>
-    <p:spTree>
-      <p:nvGrpSpPr>
-        <p:cNvPr id="1" name=""/>
-        <p:cNvGrpSpPr/>
-        <p:nvPr/>
-      </p:nvGrpSpPr>
-      <p:grpSpPr>
-        <a:xfrm>
-          <a:off x="0" y="0"/>
-          <a:ext cx="0" cy="0"/>
-          <a:chOff x="0" y="0"/>
-          <a:chExt cx="0" cy="0"/>
-        </a:xfrm>
-      </p:grpSpPr>
-      <p:sp>
-        <p:nvSpPr>
-          <p:cNvPr id="290" name="PlaceHolder 1"/>
-          <p:cNvSpPr>
-            <a:spLocks noGrp="1"/>
-          </p:cNvSpPr>
-          <p:nvPr>
-            <p:ph type="sldImg"/>
-          </p:nvPr>
-        </p:nvSpPr>
-        <p:spPr>
-          <a:xfrm>
-            <a:off x="1108080" y="801720"/>
-            <a:ext cx="5344920" cy="4009680"/>
-          </a:xfrm>
-          <a:prstGeom prst="rect">
-            <a:avLst/>
-          </a:prstGeom>
-          <a:ln w="0">
-            <a:noFill/>
-          </a:ln>
-        </p:spPr>
-      </p:sp>
-      <p:sp>
-        <p:nvSpPr>
-          <p:cNvPr id="291" name="PlaceHolder 2"/>
-          <p:cNvSpPr>
-            <a:spLocks noGrp="1"/>
-          </p:cNvSpPr>
-          <p:nvPr>
-            <p:ph type="body"/>
-          </p:nvPr>
-        </p:nvSpPr>
-        <p:spPr>
-          <a:xfrm>
-            <a:off x="756000" y="5078520"/>
-            <a:ext cx="6047280" cy="4811040"/>
-          </a:xfrm>
-          <a:prstGeom prst="rect">
-            <a:avLst/>
-          </a:prstGeom>
-          <a:noFill/>
-          <a:ln w="0">
-            <a:noFill/>
-          </a:ln>
-        </p:spPr>
-        <p:txBody>
-          <a:bodyPr lIns="91440" rIns="91440" tIns="91440" bIns="91440" anchor="t">
-            <a:noAutofit/>
-          </a:bodyPr>
-          <a:p>
-            <a:pPr marL="158760" indent="0">
-              <a:lnSpc>
-                <a:spcPct val="100000"/>
-              </a:lnSpc>
-              <a:buNone/>
-              <a:tabLst>
-                <a:tab algn="l" pos="0"/>
-              </a:tabLst>
-            </a:pPr>
-            <a:r>
-              <a:rPr b="0" lang="it-IT" sz="1200" spc="-1" strike="noStrike">
-                <a:solidFill>
-                  <a:srgbClr val="000000"/>
-                </a:solidFill>
-                <a:latin typeface="Arial"/>
-                <a:ea typeface="Arial"/>
-              </a:rPr>
-              <a:t>Quale affermazione è vera?</a:t>
-            </a:r>
-            <a:br>
-              <a:rPr sz="1200"/>
-            </a:br>
-            <a:br>
-              <a:rPr sz="1200"/>
-            </a:br>
-            <a:r>
-              <a:rPr b="0" lang="it-IT" sz="1200" spc="-1" strike="noStrike">
-                <a:solidFill>
-                  <a:srgbClr val="000000"/>
-                </a:solidFill>
-                <a:latin typeface="Arial"/>
-                <a:ea typeface="Arial"/>
-              </a:rPr>
-              <a:t>A) HTTP è un protocollo asincrono mentre MQTT è un protocollo sincrono</a:t>
-            </a:r>
-            <a:br>
-              <a:rPr sz="1200"/>
-            </a:br>
-            <a:br>
-              <a:rPr sz="1200"/>
-            </a:br>
-            <a:r>
-              <a:rPr b="0" lang="it-IT" sz="1200" spc="-1" strike="noStrike">
-                <a:solidFill>
-                  <a:srgbClr val="000000"/>
-                </a:solidFill>
-                <a:latin typeface="Arial"/>
-                <a:ea typeface="Arial"/>
-              </a:rPr>
-              <a:t>B) Quando una richiesta HTTP ha successo si possono poi ricevere sequenze di ad intervalli regolari</a:t>
-            </a:r>
-            <a:endParaRPr b="0" lang="en-US" sz="1200" spc="-1" strike="noStrike">
-              <a:solidFill>
-                <a:srgbClr val="000000"/>
-              </a:solidFill>
-              <a:latin typeface="Arial"/>
-            </a:endParaRPr>
-          </a:p>
-          <a:p>
-            <a:pPr marL="158760" indent="0">
-              <a:lnSpc>
-                <a:spcPct val="100000"/>
-              </a:lnSpc>
-              <a:buNone/>
-              <a:tabLst>
-                <a:tab algn="l" pos="0"/>
-              </a:tabLst>
-            </a:pPr>
-            <a:endParaRPr b="0" lang="en-US" sz="1200" spc="-1" strike="noStrike">
-              <a:solidFill>
-                <a:srgbClr val="000000"/>
-              </a:solidFill>
-              <a:latin typeface="Arial"/>
-            </a:endParaRPr>
-          </a:p>
-          <a:p>
-            <a:pPr marL="158760" indent="0">
-              <a:lnSpc>
-                <a:spcPct val="100000"/>
-              </a:lnSpc>
-              <a:buNone/>
-              <a:tabLst>
-                <a:tab algn="l" pos="0"/>
-              </a:tabLst>
-            </a:pPr>
-            <a:r>
-              <a:rPr b="0" lang="it-IT" sz="1200" spc="-1" strike="noStrike">
-                <a:solidFill>
-                  <a:srgbClr val="000000"/>
-                </a:solidFill>
-                <a:latin typeface="Arial"/>
-                <a:ea typeface="Arial"/>
-              </a:rPr>
-              <a:t>C) MQTT è un protocollo client/server</a:t>
-            </a:r>
-            <a:endParaRPr b="0" lang="en-US" sz="1200" spc="-1" strike="noStrike">
-              <a:solidFill>
-                <a:srgbClr val="000000"/>
-              </a:solidFill>
-              <a:latin typeface="Arial"/>
-            </a:endParaRPr>
-          </a:p>
-          <a:p>
-            <a:pPr marL="158760" indent="0">
-              <a:lnSpc>
-                <a:spcPct val="100000"/>
-              </a:lnSpc>
-              <a:buNone/>
-              <a:tabLst>
-                <a:tab algn="l" pos="0"/>
-              </a:tabLst>
-            </a:pPr>
-            <a:endParaRPr b="0" lang="en-US" sz="1200" spc="-1" strike="noStrike">
-              <a:solidFill>
-                <a:srgbClr val="000000"/>
-              </a:solidFill>
-              <a:latin typeface="Arial"/>
-            </a:endParaRPr>
-          </a:p>
-          <a:p>
-            <a:pPr marL="158760" indent="0">
-              <a:lnSpc>
-                <a:spcPct val="100000"/>
-              </a:lnSpc>
-              <a:buNone/>
-              <a:tabLst>
-                <a:tab algn="l" pos="0"/>
-              </a:tabLst>
-            </a:pPr>
-            <a:r>
-              <a:rPr b="0" lang="it-IT" sz="1200" spc="-1" strike="noStrike">
-                <a:solidFill>
-                  <a:srgbClr val="000000"/>
-                </a:solidFill>
-                <a:latin typeface="Arial"/>
-                <a:ea typeface="Arial"/>
-              </a:rPr>
-              <a:t>D) Con una sola connessione  MQTT possiamo ricevere dati da un numero arbitrario di nodi di una rete</a:t>
-            </a:r>
-            <a:endParaRPr b="0" lang="en-US" sz="1200" spc="-1" strike="noStrike">
-              <a:solidFill>
-                <a:srgbClr val="000000"/>
-              </a:solidFill>
-              <a:latin typeface="Arial"/>
-            </a:endParaRPr>
-          </a:p>
-        </p:txBody>
       </p:sp>
     </p:spTree>
   </p:cSld>
@@ -1080,7 +544,7 @@
       </p:grpSpPr>
       <p:sp>
         <p:nvSpPr>
-          <p:cNvPr id="292" name="PlaceHolder 1"/>
+          <p:cNvPr id="278" name="PlaceHolder 1"/>
           <p:cNvSpPr>
             <a:spLocks noGrp="1"/>
           </p:cNvSpPr>
@@ -1139,7 +603,7 @@
                 <a:tab algn="l" pos="2895480"/>
               </a:tabLst>
             </a:pPr>
-            <a:fld id="{BF23AE70-90B8-4E53-9BC5-09F81645556B}" type="slidenum">
+            <a:fld id="{2AA658CB-E427-4FB1-BC85-E1E40F6BB93B}" type="slidenum">
               <a:rPr b="0" lang="it-IT" sz="1400" spc="-1" strike="noStrike">
                 <a:solidFill>
                   <a:srgbClr val="000000"/>
@@ -1160,7 +624,7 @@
       </p:sp>
       <p:sp>
         <p:nvSpPr>
-          <p:cNvPr id="293" name="PlaceHolder 2"/>
+          <p:cNvPr id="279" name="PlaceHolder 2"/>
           <p:cNvSpPr>
             <a:spLocks noGrp="1"/>
           </p:cNvSpPr>
@@ -1180,220 +644,6 @@
             <a:noFill/>
           </a:ln>
         </p:spPr>
-      </p:sp>
-      <p:sp>
-        <p:nvSpPr>
-          <p:cNvPr id="294" name="PlaceHolder 3"/>
-          <p:cNvSpPr>
-            <a:spLocks noGrp="1"/>
-          </p:cNvSpPr>
-          <p:nvPr>
-            <p:ph type="body"/>
-          </p:nvPr>
-        </p:nvSpPr>
-        <p:spPr>
-          <a:xfrm>
-            <a:off x="755640" y="5078520"/>
-            <a:ext cx="6048000" cy="4811400"/>
-          </a:xfrm>
-          <a:prstGeom prst="rect">
-            <a:avLst/>
-          </a:prstGeom>
-          <a:noFill/>
-          <a:ln w="0">
-            <a:noFill/>
-          </a:ln>
-        </p:spPr>
-        <p:txBody>
-          <a:bodyPr lIns="91440" rIns="91440" tIns="91440" bIns="91440" anchor="ctr">
-            <a:noAutofit/>
-          </a:bodyPr>
-          <a:p>
-            <a:pPr marL="457200" indent="-298440">
-              <a:lnSpc>
-                <a:spcPct val="100000"/>
-              </a:lnSpc>
-              <a:buClr>
-                <a:srgbClr val="000000"/>
-              </a:buClr>
-              <a:buFont typeface="Arial"/>
-              <a:buChar char="●"/>
-            </a:pPr>
-            <a:r>
-              <a:rPr b="1" lang="it-IT" sz="1200" spc="-1" strike="noStrike">
-                <a:solidFill>
-                  <a:srgbClr val="000000"/>
-                </a:solidFill>
-                <a:latin typeface="Arial"/>
-                <a:ea typeface="Arial"/>
-              </a:rPr>
-              <a:t>L'Internet degli cose </a:t>
-            </a:r>
-            <a:r>
-              <a:rPr b="0" lang="it-IT" sz="1200" spc="-1" strike="noStrike">
-                <a:solidFill>
-                  <a:srgbClr val="000000"/>
-                </a:solidFill>
-                <a:latin typeface="Arial"/>
-                <a:ea typeface="Arial"/>
-              </a:rPr>
-              <a:t>è la rete di </a:t>
-            </a:r>
-            <a:br>
-              <a:rPr sz="1200"/>
-            </a:br>
-            <a:r>
-              <a:rPr b="0" lang="it-IT" sz="1200" spc="-1" strike="noStrike">
-                <a:solidFill>
-                  <a:srgbClr val="000000"/>
-                </a:solidFill>
-                <a:latin typeface="Arial"/>
-                <a:ea typeface="Arial"/>
-              </a:rPr>
-              <a:t>oggetti intelligenti che contengono </a:t>
-            </a:r>
-            <a:br>
-              <a:rPr sz="1200"/>
-            </a:br>
-            <a:r>
-              <a:rPr b="0" lang="it-IT" sz="1200" spc="-1" strike="noStrike">
-                <a:solidFill>
-                  <a:srgbClr val="000000"/>
-                </a:solidFill>
-                <a:latin typeface="Arial"/>
-                <a:ea typeface="Arial"/>
-              </a:rPr>
-              <a:t>una tecnologia incorporata per </a:t>
-            </a:r>
-            <a:br>
-              <a:rPr sz="1200"/>
-            </a:br>
-            <a:r>
-              <a:rPr b="0" lang="it-IT" sz="1200" spc="-1" strike="noStrike">
-                <a:solidFill>
-                  <a:srgbClr val="000000"/>
-                </a:solidFill>
-                <a:latin typeface="Arial"/>
-                <a:ea typeface="Arial"/>
-              </a:rPr>
-              <a:t>comunicare e percepire o interagire </a:t>
-            </a:r>
-            <a:br>
-              <a:rPr sz="1200"/>
-            </a:br>
-            <a:r>
-              <a:rPr b="0" lang="it-IT" sz="1200" spc="-1" strike="noStrike">
-                <a:solidFill>
-                  <a:srgbClr val="000000"/>
-                </a:solidFill>
-                <a:latin typeface="Arial"/>
-                <a:ea typeface="Arial"/>
-              </a:rPr>
-              <a:t>con l'ambiente esterno.</a:t>
-            </a:r>
-            <a:endParaRPr b="0" lang="en-US" sz="1200" spc="-1" strike="noStrike">
-              <a:solidFill>
-                <a:srgbClr val="000000"/>
-              </a:solidFill>
-              <a:latin typeface="Arial"/>
-            </a:endParaRPr>
-          </a:p>
-          <a:p>
-            <a:pPr indent="0">
-              <a:lnSpc>
-                <a:spcPct val="100000"/>
-              </a:lnSpc>
-              <a:buNone/>
-            </a:pPr>
-            <a:endParaRPr b="0" lang="en-US" sz="1200" spc="-1" strike="noStrike">
-              <a:solidFill>
-                <a:srgbClr val="000000"/>
-              </a:solidFill>
-              <a:latin typeface="Arial"/>
-            </a:endParaRPr>
-          </a:p>
-          <a:p>
-            <a:pPr marL="457200" indent="-298440">
-              <a:lnSpc>
-                <a:spcPct val="100000"/>
-              </a:lnSpc>
-              <a:buClr>
-                <a:srgbClr val="000000"/>
-              </a:buClr>
-              <a:buFont typeface="Arial"/>
-              <a:buChar char="●"/>
-            </a:pPr>
-            <a:r>
-              <a:rPr b="0" lang="it-IT" sz="1200" spc="-1" strike="noStrike">
-                <a:solidFill>
-                  <a:srgbClr val="000000"/>
-                </a:solidFill>
-                <a:latin typeface="Arial"/>
-                <a:ea typeface="Arial"/>
-              </a:rPr>
-              <a:t>Una volta che un oggetto intelligente </a:t>
-            </a:r>
-            <a:br>
-              <a:rPr sz="1200"/>
-            </a:br>
-            <a:r>
-              <a:rPr b="0" lang="it-IT" sz="1200" spc="-1" strike="noStrike">
-                <a:solidFill>
-                  <a:srgbClr val="000000"/>
-                </a:solidFill>
-                <a:latin typeface="Arial"/>
-                <a:ea typeface="Arial"/>
-              </a:rPr>
-              <a:t>viene connesso a Internet, </a:t>
-            </a:r>
-            <a:br>
-              <a:rPr sz="1200"/>
-            </a:br>
-            <a:r>
-              <a:rPr b="0" lang="it-IT" sz="1200" spc="-1" strike="noStrike">
-                <a:solidFill>
-                  <a:srgbClr val="000000"/>
-                </a:solidFill>
-                <a:latin typeface="Arial"/>
-                <a:ea typeface="Arial"/>
-              </a:rPr>
-              <a:t>i suoi servizi diventano parte </a:t>
-            </a:r>
-            <a:br>
-              <a:rPr sz="1200"/>
-            </a:br>
-            <a:r>
-              <a:rPr b="0" lang="it-IT" sz="1200" spc="-1" strike="noStrike">
-                <a:solidFill>
-                  <a:srgbClr val="000000"/>
-                </a:solidFill>
-                <a:latin typeface="Arial"/>
-                <a:ea typeface="Arial"/>
-              </a:rPr>
-              <a:t>della rete stessa</a:t>
-            </a:r>
-            <a:endParaRPr b="0" lang="en-US" sz="1200" spc="-1" strike="noStrike">
-              <a:solidFill>
-                <a:srgbClr val="000000"/>
-              </a:solidFill>
-              <a:latin typeface="Arial"/>
-            </a:endParaRPr>
-          </a:p>
-          <a:p>
-            <a:pPr indent="0">
-              <a:lnSpc>
-                <a:spcPct val="100000"/>
-              </a:lnSpc>
-              <a:buNone/>
-            </a:pPr>
-            <a:endParaRPr b="0" lang="en-US" sz="2400" spc="-1" strike="noStrike">
-              <a:solidFill>
-                <a:srgbClr val="000000"/>
-              </a:solidFill>
-              <a:latin typeface="Arial"/>
-            </a:endParaRPr>
-          </a:p>
-        </p:txBody>
       </p:sp>
     </p:spTree>
   </p:cSld>
@@ -1419,7 +669,7 @@
       </p:grpSpPr>
       <p:sp>
         <p:nvSpPr>
-          <p:cNvPr id="295" name="PlaceHolder 1"/>
+          <p:cNvPr id="280" name="PlaceHolder 1"/>
           <p:cNvSpPr>
             <a:spLocks noGrp="1"/>
           </p:cNvSpPr>
@@ -1478,7 +728,7 @@
                 <a:tab algn="l" pos="2895480"/>
               </a:tabLst>
             </a:pPr>
-            <a:fld id="{0B582A9A-FF65-4258-B927-4EAAC150BB7E}" type="slidenum">
+            <a:fld id="{4DD09D2B-FCD0-4D79-9ECD-4F88BA7C0E2C}" type="slidenum">
               <a:rPr b="0" lang="it-IT" sz="1400" spc="-1" strike="noStrike">
                 <a:solidFill>
                   <a:srgbClr val="000000"/>
@@ -1499,7 +749,7 @@
       </p:sp>
       <p:sp>
         <p:nvSpPr>
-          <p:cNvPr id="296" name="PlaceHolder 2"/>
+          <p:cNvPr id="281" name="PlaceHolder 2"/>
           <p:cNvSpPr>
             <a:spLocks noGrp="1"/>
           </p:cNvSpPr>
@@ -1511,586 +761,6 @@
           <a:xfrm>
             <a:off x="1106640" y="812880"/>
             <a:ext cx="5344920" cy="4008240"/>
-          </a:xfrm>
-          <a:prstGeom prst="rect">
-            <a:avLst/>
-          </a:prstGeom>
-          <a:ln w="0">
-            <a:noFill/>
-          </a:ln>
-        </p:spPr>
-      </p:sp>
-      <p:sp>
-        <p:nvSpPr>
-          <p:cNvPr id="297" name="PlaceHolder 3"/>
-          <p:cNvSpPr>
-            <a:spLocks noGrp="1"/>
-          </p:cNvSpPr>
-          <p:nvPr>
-            <p:ph type="body"/>
-          </p:nvPr>
-        </p:nvSpPr>
-        <p:spPr>
-          <a:xfrm>
-            <a:off x="755640" y="5078520"/>
-            <a:ext cx="6048000" cy="4811400"/>
-          </a:xfrm>
-          <a:prstGeom prst="rect">
-            <a:avLst/>
-          </a:prstGeom>
-          <a:noFill/>
-          <a:ln w="0">
-            <a:noFill/>
-          </a:ln>
-        </p:spPr>
-        <p:txBody>
-          <a:bodyPr lIns="91440" rIns="91440" tIns="91440" bIns="91440" anchor="ctr">
-            <a:noAutofit/>
-          </a:bodyPr>
-          <a:p>
-            <a:pPr marL="457200" indent="-298440">
-              <a:lnSpc>
-                <a:spcPct val="100000"/>
-              </a:lnSpc>
-              <a:buClr>
-                <a:srgbClr val="000000"/>
-              </a:buClr>
-              <a:buFont typeface="Arial"/>
-              <a:buChar char="●"/>
-            </a:pPr>
-            <a:r>
-              <a:rPr b="1" lang="it-IT" sz="1200" spc="-1" strike="noStrike">
-                <a:solidFill>
-                  <a:srgbClr val="000000"/>
-                </a:solidFill>
-                <a:latin typeface="Arial"/>
-                <a:ea typeface="Arial"/>
-              </a:rPr>
-              <a:t>L'Internet degli cose </a:t>
-            </a:r>
-            <a:r>
-              <a:rPr b="0" lang="it-IT" sz="1200" spc="-1" strike="noStrike">
-                <a:solidFill>
-                  <a:srgbClr val="000000"/>
-                </a:solidFill>
-                <a:latin typeface="Arial"/>
-                <a:ea typeface="Arial"/>
-              </a:rPr>
-              <a:t>è la rete di </a:t>
-            </a:r>
-            <a:br>
-              <a:rPr sz="1200"/>
-            </a:br>
-            <a:r>
-              <a:rPr b="0" lang="it-IT" sz="1200" spc="-1" strike="noStrike">
-                <a:solidFill>
-                  <a:srgbClr val="000000"/>
-                </a:solidFill>
-                <a:latin typeface="Arial"/>
-                <a:ea typeface="Arial"/>
-              </a:rPr>
-              <a:t>oggetti intelligenti che contengono </a:t>
-            </a:r>
-            <a:br>
-              <a:rPr sz="1200"/>
-            </a:br>
-            <a:r>
-              <a:rPr b="0" lang="it-IT" sz="1200" spc="-1" strike="noStrike">
-                <a:solidFill>
-                  <a:srgbClr val="000000"/>
-                </a:solidFill>
-                <a:latin typeface="Arial"/>
-                <a:ea typeface="Arial"/>
-              </a:rPr>
-              <a:t>una tecnologia incorporata per </a:t>
-            </a:r>
-            <a:br>
-              <a:rPr sz="1200"/>
-            </a:br>
-            <a:r>
-              <a:rPr b="0" lang="it-IT" sz="1200" spc="-1" strike="noStrike">
-                <a:solidFill>
-                  <a:srgbClr val="000000"/>
-                </a:solidFill>
-                <a:latin typeface="Arial"/>
-                <a:ea typeface="Arial"/>
-              </a:rPr>
-              <a:t>comunicare e percepire o interagire </a:t>
-            </a:r>
-            <a:br>
-              <a:rPr sz="1200"/>
-            </a:br>
-            <a:r>
-              <a:rPr b="0" lang="it-IT" sz="1200" spc="-1" strike="noStrike">
-                <a:solidFill>
-                  <a:srgbClr val="000000"/>
-                </a:solidFill>
-                <a:latin typeface="Arial"/>
-                <a:ea typeface="Arial"/>
-              </a:rPr>
-              <a:t>con l'ambiente esterno.</a:t>
-            </a:r>
-            <a:endParaRPr b="0" lang="en-US" sz="1200" spc="-1" strike="noStrike">
-              <a:solidFill>
-                <a:srgbClr val="000000"/>
-              </a:solidFill>
-              <a:latin typeface="Arial"/>
-            </a:endParaRPr>
-          </a:p>
-          <a:p>
-            <a:pPr indent="0">
-              <a:lnSpc>
-                <a:spcPct val="100000"/>
-              </a:lnSpc>
-              <a:buNone/>
-            </a:pPr>
-            <a:endParaRPr b="0" lang="en-US" sz="1200" spc="-1" strike="noStrike">
-              <a:solidFill>
-                <a:srgbClr val="000000"/>
-              </a:solidFill>
-              <a:latin typeface="Arial"/>
-            </a:endParaRPr>
-          </a:p>
-          <a:p>
-            <a:pPr marL="457200" indent="-298440">
-              <a:lnSpc>
-                <a:spcPct val="100000"/>
-              </a:lnSpc>
-              <a:buClr>
-                <a:srgbClr val="000000"/>
-              </a:buClr>
-              <a:buFont typeface="Arial"/>
-              <a:buChar char="●"/>
-            </a:pPr>
-            <a:r>
-              <a:rPr b="0" lang="it-IT" sz="1200" spc="-1" strike="noStrike">
-                <a:solidFill>
-                  <a:srgbClr val="000000"/>
-                </a:solidFill>
-                <a:latin typeface="Arial"/>
-                <a:ea typeface="Arial"/>
-              </a:rPr>
-              <a:t>Una volta che un oggetto intelligente </a:t>
-            </a:r>
-            <a:br>
-              <a:rPr sz="1200"/>
-            </a:br>
-            <a:r>
-              <a:rPr b="0" lang="it-IT" sz="1200" spc="-1" strike="noStrike">
-                <a:solidFill>
-                  <a:srgbClr val="000000"/>
-                </a:solidFill>
-                <a:latin typeface="Arial"/>
-                <a:ea typeface="Arial"/>
-              </a:rPr>
-              <a:t>viene connesso a Internet, </a:t>
-            </a:r>
-            <a:br>
-              <a:rPr sz="1200"/>
-            </a:br>
-            <a:r>
-              <a:rPr b="0" lang="it-IT" sz="1200" spc="-1" strike="noStrike">
-                <a:solidFill>
-                  <a:srgbClr val="000000"/>
-                </a:solidFill>
-                <a:latin typeface="Arial"/>
-                <a:ea typeface="Arial"/>
-              </a:rPr>
-              <a:t>i suoi servizi diventano parte </a:t>
-            </a:r>
-            <a:br>
-              <a:rPr sz="1200"/>
-            </a:br>
-            <a:r>
-              <a:rPr b="0" lang="it-IT" sz="1200" spc="-1" strike="noStrike">
-                <a:solidFill>
-                  <a:srgbClr val="000000"/>
-                </a:solidFill>
-                <a:latin typeface="Arial"/>
-                <a:ea typeface="Arial"/>
-              </a:rPr>
-              <a:t>della rete stessa</a:t>
-            </a:r>
-            <a:endParaRPr b="0" lang="en-US" sz="1200" spc="-1" strike="noStrike">
-              <a:solidFill>
-                <a:srgbClr val="000000"/>
-              </a:solidFill>
-              <a:latin typeface="Arial"/>
-            </a:endParaRPr>
-          </a:p>
-          <a:p>
-            <a:pPr indent="0">
-              <a:lnSpc>
-                <a:spcPct val="100000"/>
-              </a:lnSpc>
-              <a:buNone/>
-            </a:pPr>
-            <a:endParaRPr b="0" lang="en-US" sz="2400" spc="-1" strike="noStrike">
-              <a:solidFill>
-                <a:srgbClr val="000000"/>
-              </a:solidFill>
-              <a:latin typeface="Arial"/>
-            </a:endParaRPr>
-          </a:p>
-        </p:txBody>
-      </p:sp>
-    </p:spTree>
-  </p:cSld>
-</p:notes>
-</file>
-
-<file path=ppt/notesSlides/notesSlide14.xml><?xml version="1.0" encoding="utf-8"?>
-<p:notes xmlns:a="http://schemas.openxmlformats.org/drawingml/2006/main" xmlns:p="http://schemas.openxmlformats.org/presentationml/2006/main" xmlns:r="http://schemas.openxmlformats.org/officeDocument/2006/relationships" xmlns:p14="http://schemas.microsoft.com/office/powerpoint/2010/main" xmlns:p15="http://schemas.microsoft.com/office/powerpoint/2012/main" xmlns:mc="http://schemas.openxmlformats.org/markup-compatibility/2006">
-  <p:cSld>
-    <p:spTree>
-      <p:nvGrpSpPr>
-        <p:cNvPr id="1" name=""/>
-        <p:cNvGrpSpPr/>
-        <p:nvPr/>
-      </p:nvGrpSpPr>
-      <p:grpSpPr>
-        <a:xfrm>
-          <a:off x="0" y="0"/>
-          <a:ext cx="0" cy="0"/>
-          <a:chOff x="0" y="0"/>
-          <a:chExt cx="0" cy="0"/>
-        </a:xfrm>
-      </p:grpSpPr>
-      <p:sp>
-        <p:nvSpPr>
-          <p:cNvPr id="298" name="PlaceHolder 1"/>
-          <p:cNvSpPr>
-            <a:spLocks noGrp="1"/>
-          </p:cNvSpPr>
-          <p:nvPr>
-            <p:ph type="sldImg"/>
-          </p:nvPr>
-        </p:nvSpPr>
-        <p:spPr>
-          <a:xfrm>
-            <a:off x="1108080" y="801720"/>
-            <a:ext cx="5344920" cy="4009680"/>
-          </a:xfrm>
-          <a:prstGeom prst="rect">
-            <a:avLst/>
-          </a:prstGeom>
-          <a:ln w="0">
-            <a:noFill/>
-          </a:ln>
-        </p:spPr>
-      </p:sp>
-      <p:sp>
-        <p:nvSpPr>
-          <p:cNvPr id="299" name="PlaceHolder 2"/>
-          <p:cNvSpPr>
-            <a:spLocks noGrp="1"/>
-          </p:cNvSpPr>
-          <p:nvPr>
-            <p:ph type="body"/>
-          </p:nvPr>
-        </p:nvSpPr>
-        <p:spPr>
-          <a:xfrm>
-            <a:off x="756000" y="5078520"/>
-            <a:ext cx="6047280" cy="4811040"/>
-          </a:xfrm>
-          <a:prstGeom prst="rect">
-            <a:avLst/>
-          </a:prstGeom>
-          <a:noFill/>
-          <a:ln w="0">
-            <a:noFill/>
-          </a:ln>
-        </p:spPr>
-        <p:txBody>
-          <a:bodyPr lIns="91440" rIns="91440" tIns="91440" bIns="91440" anchor="t">
-            <a:noAutofit/>
-          </a:bodyPr>
-          <a:p>
-            <a:pPr marL="158760" indent="0">
-              <a:lnSpc>
-                <a:spcPct val="100000"/>
-              </a:lnSpc>
-              <a:buNone/>
-              <a:tabLst>
-                <a:tab algn="l" pos="0"/>
-              </a:tabLst>
-            </a:pPr>
-            <a:r>
-              <a:rPr b="0" lang="it-IT" sz="1200" spc="-1" strike="noStrike">
-                <a:solidFill>
-                  <a:srgbClr val="000000"/>
-                </a:solidFill>
-                <a:latin typeface="Arial"/>
-                <a:ea typeface="Arial"/>
-              </a:rPr>
-              <a:t>Quale affermazione è vera?</a:t>
-            </a:r>
-            <a:br>
-              <a:rPr sz="1200"/>
-            </a:br>
-            <a:br>
-              <a:rPr sz="1200"/>
-            </a:br>
-            <a:r>
-              <a:rPr b="0" lang="it-IT" sz="1200" spc="-1" strike="noStrike">
-                <a:solidFill>
-                  <a:srgbClr val="000000"/>
-                </a:solidFill>
-                <a:latin typeface="Arial"/>
-                <a:ea typeface="Arial"/>
-              </a:rPr>
-              <a:t>A) HTTP è un protocollo asincrono mentre MQTT è un protocollo sincrono</a:t>
-            </a:r>
-            <a:br>
-              <a:rPr sz="1200"/>
-            </a:br>
-            <a:br>
-              <a:rPr sz="1200"/>
-            </a:br>
-            <a:r>
-              <a:rPr b="0" lang="it-IT" sz="1200" spc="-1" strike="noStrike">
-                <a:solidFill>
-                  <a:srgbClr val="000000"/>
-                </a:solidFill>
-                <a:latin typeface="Arial"/>
-                <a:ea typeface="Arial"/>
-              </a:rPr>
-              <a:t>B) Quando una richiesta HTTP ha successo si possono poi ricevere sequenze di ad intervalli regolari</a:t>
-            </a:r>
-            <a:endParaRPr b="0" lang="en-US" sz="1200" spc="-1" strike="noStrike">
-              <a:solidFill>
-                <a:srgbClr val="000000"/>
-              </a:solidFill>
-              <a:latin typeface="Arial"/>
-            </a:endParaRPr>
-          </a:p>
-          <a:p>
-            <a:pPr marL="158760" indent="0">
-              <a:lnSpc>
-                <a:spcPct val="100000"/>
-              </a:lnSpc>
-              <a:buNone/>
-              <a:tabLst>
-                <a:tab algn="l" pos="0"/>
-              </a:tabLst>
-            </a:pPr>
-            <a:endParaRPr b="0" lang="en-US" sz="1200" spc="-1" strike="noStrike">
-              <a:solidFill>
-                <a:srgbClr val="000000"/>
-              </a:solidFill>
-              <a:latin typeface="Arial"/>
-            </a:endParaRPr>
-          </a:p>
-          <a:p>
-            <a:pPr marL="158760" indent="0">
-              <a:lnSpc>
-                <a:spcPct val="100000"/>
-              </a:lnSpc>
-              <a:buNone/>
-              <a:tabLst>
-                <a:tab algn="l" pos="0"/>
-              </a:tabLst>
-            </a:pPr>
-            <a:r>
-              <a:rPr b="0" lang="it-IT" sz="1200" spc="-1" strike="noStrike">
-                <a:solidFill>
-                  <a:srgbClr val="000000"/>
-                </a:solidFill>
-                <a:latin typeface="Arial"/>
-                <a:ea typeface="Arial"/>
-              </a:rPr>
-              <a:t>C) MQTT è un protocollo client/server</a:t>
-            </a:r>
-            <a:endParaRPr b="0" lang="en-US" sz="1200" spc="-1" strike="noStrike">
-              <a:solidFill>
-                <a:srgbClr val="000000"/>
-              </a:solidFill>
-              <a:latin typeface="Arial"/>
-            </a:endParaRPr>
-          </a:p>
-          <a:p>
-            <a:pPr marL="158760" indent="0">
-              <a:lnSpc>
-                <a:spcPct val="100000"/>
-              </a:lnSpc>
-              <a:buNone/>
-              <a:tabLst>
-                <a:tab algn="l" pos="0"/>
-              </a:tabLst>
-            </a:pPr>
-            <a:endParaRPr b="0" lang="en-US" sz="1200" spc="-1" strike="noStrike">
-              <a:solidFill>
-                <a:srgbClr val="000000"/>
-              </a:solidFill>
-              <a:latin typeface="Arial"/>
-            </a:endParaRPr>
-          </a:p>
-          <a:p>
-            <a:pPr marL="158760" indent="0">
-              <a:lnSpc>
-                <a:spcPct val="100000"/>
-              </a:lnSpc>
-              <a:buNone/>
-              <a:tabLst>
-                <a:tab algn="l" pos="0"/>
-              </a:tabLst>
-            </a:pPr>
-            <a:r>
-              <a:rPr b="0" lang="it-IT" sz="1200" spc="-1" strike="noStrike">
-                <a:solidFill>
-                  <a:srgbClr val="000000"/>
-                </a:solidFill>
-                <a:latin typeface="Arial"/>
-                <a:ea typeface="Arial"/>
-              </a:rPr>
-              <a:t>D) Con una sola connessione  MQTT possiamo ricevere dati da un numero arbitrario di nodi di una rete</a:t>
-            </a:r>
-            <a:endParaRPr b="0" lang="en-US" sz="1200" spc="-1" strike="noStrike">
-              <a:solidFill>
-                <a:srgbClr val="000000"/>
-              </a:solidFill>
-              <a:latin typeface="Arial"/>
-            </a:endParaRPr>
-          </a:p>
-        </p:txBody>
-      </p:sp>
-    </p:spTree>
-  </p:cSld>
-</p:notes>
-</file>
-
-<file path=ppt/notesSlides/notesSlide15.xml><?xml version="1.0" encoding="utf-8"?>
-<p:notes xmlns:a="http://schemas.openxmlformats.org/drawingml/2006/main" xmlns:p="http://schemas.openxmlformats.org/presentationml/2006/main" xmlns:r="http://schemas.openxmlformats.org/officeDocument/2006/relationships" xmlns:p14="http://schemas.microsoft.com/office/powerpoint/2010/main" xmlns:p15="http://schemas.microsoft.com/office/powerpoint/2012/main" xmlns:mc="http://schemas.openxmlformats.org/markup-compatibility/2006">
-  <p:cSld>
-    <p:spTree>
-      <p:nvGrpSpPr>
-        <p:cNvPr id="1" name=""/>
-        <p:cNvGrpSpPr/>
-        <p:nvPr/>
-      </p:nvGrpSpPr>
-      <p:grpSpPr>
-        <a:xfrm>
-          <a:off x="0" y="0"/>
-          <a:ext cx="0" cy="0"/>
-          <a:chOff x="0" y="0"/>
-          <a:chExt cx="0" cy="0"/>
-        </a:xfrm>
-      </p:grpSpPr>
-      <p:sp>
-        <p:nvSpPr>
-          <p:cNvPr id="300" name="PlaceHolder 1"/>
-          <p:cNvSpPr>
-            <a:spLocks noGrp="1"/>
-          </p:cNvSpPr>
-          <p:nvPr>
-            <p:ph type="body"/>
-          </p:nvPr>
-        </p:nvSpPr>
-        <p:spPr>
-          <a:xfrm>
-            <a:off x="756000" y="5078520"/>
-            <a:ext cx="6047280" cy="4811040"/>
-          </a:xfrm>
-          <a:prstGeom prst="rect">
-            <a:avLst/>
-          </a:prstGeom>
-          <a:noFill/>
-          <a:ln w="0">
-            <a:noFill/>
-          </a:ln>
-        </p:spPr>
-        <p:txBody>
-          <a:bodyPr lIns="91440" rIns="91440" tIns="91440" bIns="91440" anchor="ctr">
-            <a:noAutofit/>
-          </a:bodyPr>
-          <a:p>
-            <a:pPr indent="0">
-              <a:lnSpc>
-                <a:spcPct val="100000"/>
-              </a:lnSpc>
-              <a:buNone/>
-              <a:tabLst>
-                <a:tab algn="l" pos="0"/>
-              </a:tabLst>
-            </a:pPr>
-            <a:r>
-              <a:rPr b="0" lang="it-IT" sz="1200" spc="-1" strike="noStrike">
-                <a:solidFill>
-                  <a:srgbClr val="000000"/>
-                </a:solidFill>
-                <a:latin typeface="Arial"/>
-                <a:ea typeface="Arial"/>
-              </a:rPr>
-              <a:t>I linguaggi di programmazione ad alto livello come C, Python e NodeJs possono essere usati anche per programmare i device.</a:t>
-            </a:r>
-            <a:endParaRPr b="0" lang="en-US" sz="1200" spc="-1" strike="noStrike">
-              <a:solidFill>
-                <a:srgbClr val="000000"/>
-              </a:solidFill>
-              <a:latin typeface="Arial"/>
-            </a:endParaRPr>
-          </a:p>
-          <a:p>
-            <a:pPr indent="0">
-              <a:lnSpc>
-                <a:spcPct val="100000"/>
-              </a:lnSpc>
-              <a:buNone/>
-              <a:tabLst>
-                <a:tab algn="l" pos="0"/>
-              </a:tabLst>
-            </a:pPr>
-            <a:endParaRPr b="0" lang="en-US" sz="1200" spc="-1" strike="noStrike">
-              <a:solidFill>
-                <a:srgbClr val="000000"/>
-              </a:solidFill>
-              <a:latin typeface="Arial"/>
-            </a:endParaRPr>
-          </a:p>
-          <a:p>
-            <a:pPr indent="0">
-              <a:lnSpc>
-                <a:spcPct val="100000"/>
-              </a:lnSpc>
-              <a:buNone/>
-              <a:tabLst>
-                <a:tab algn="l" pos="0"/>
-              </a:tabLst>
-            </a:pPr>
-            <a:r>
-              <a:rPr b="0" lang="it-IT" sz="1200" spc="-1" strike="noStrike">
-                <a:solidFill>
-                  <a:srgbClr val="000000"/>
-                </a:solidFill>
-                <a:latin typeface="Arial"/>
-                <a:ea typeface="Arial"/>
-              </a:rPr>
-              <a:t>Questa è una vera rivoluziona, nata molti anni fa con il progetto open hardware Arduino, che sta trasformando il mondo Dev introducendo un layer trasversale a Edge, Fog e Cloud dove lo sviluppatore potrà usare gli stessi strumenti e linguaggi in maniera trasparente al contesti sottostante</a:t>
-            </a:r>
-            <a:endParaRPr b="0" lang="en-US" sz="1200" spc="-1" strike="noStrike">
-              <a:solidFill>
-                <a:srgbClr val="000000"/>
-              </a:solidFill>
-              <a:latin typeface="Arial"/>
-            </a:endParaRPr>
-          </a:p>
-        </p:txBody>
-      </p:sp>
-      <p:sp>
-        <p:nvSpPr>
-          <p:cNvPr id="301" name="PlaceHolder 2"/>
-          <p:cNvSpPr>
-            <a:spLocks noGrp="1"/>
-          </p:cNvSpPr>
-          <p:nvPr>
-            <p:ph type="sldImg"/>
-          </p:nvPr>
-        </p:nvSpPr>
-        <p:spPr>
-          <a:xfrm>
-            <a:off x="1108080" y="801720"/>
-            <a:ext cx="5344920" cy="4009680"/>
           </a:xfrm>
           <a:prstGeom prst="rect">
             <a:avLst/>
@@ -2124,7 +794,7 @@
       </p:grpSpPr>
       <p:sp>
         <p:nvSpPr>
-          <p:cNvPr id="264" name="PlaceHolder 1"/>
+          <p:cNvPr id="262" name="PlaceHolder 1"/>
           <p:cNvSpPr>
             <a:spLocks noGrp="1"/>
           </p:cNvSpPr>
@@ -2183,7 +853,7 @@
                 <a:tab algn="l" pos="2895480"/>
               </a:tabLst>
             </a:pPr>
-            <a:fld id="{D0D8D731-2064-46A0-96D4-9939BA393DF8}" type="slidenum">
+            <a:fld id="{FCB21DB9-49FF-40F3-8EF9-EF7DD7746225}" type="slidenum">
               <a:rPr b="0" lang="it-IT" sz="1400" spc="-1" strike="noStrike">
                 <a:solidFill>
                   <a:srgbClr val="000000"/>
@@ -2204,7 +874,7 @@
       </p:sp>
       <p:sp>
         <p:nvSpPr>
-          <p:cNvPr id="265" name="PlaceHolder 2"/>
+          <p:cNvPr id="263" name="PlaceHolder 2"/>
           <p:cNvSpPr>
             <a:spLocks noGrp="1"/>
           </p:cNvSpPr>
@@ -2224,209 +894,6 @@
             <a:noFill/>
           </a:ln>
         </p:spPr>
-      </p:sp>
-      <p:sp>
-        <p:nvSpPr>
-          <p:cNvPr id="266" name="PlaceHolder 3"/>
-          <p:cNvSpPr>
-            <a:spLocks noGrp="1"/>
-          </p:cNvSpPr>
-          <p:nvPr>
-            <p:ph type="body"/>
-          </p:nvPr>
-        </p:nvSpPr>
-        <p:spPr>
-          <a:xfrm>
-            <a:off x="755640" y="5078520"/>
-            <a:ext cx="6048000" cy="4811400"/>
-          </a:xfrm>
-          <a:prstGeom prst="rect">
-            <a:avLst/>
-          </a:prstGeom>
-          <a:noFill/>
-          <a:ln w="0">
-            <a:noFill/>
-          </a:ln>
-        </p:spPr>
-        <p:txBody>
-          <a:bodyPr lIns="91440" rIns="91440" tIns="91440" bIns="91440" anchor="ctr">
-            <a:noAutofit/>
-          </a:bodyPr>
-          <a:p>
-            <a:pPr marL="457200" indent="-298440">
-              <a:lnSpc>
-                <a:spcPct val="100000"/>
-              </a:lnSpc>
-              <a:buClr>
-                <a:srgbClr val="000000"/>
-              </a:buClr>
-              <a:buFont typeface="Arial"/>
-              <a:buChar char="●"/>
-            </a:pPr>
-            <a:r>
-              <a:rPr b="0" lang="it-IT" sz="1200" spc="-1" strike="noStrike">
-                <a:solidFill>
-                  <a:srgbClr val="000000"/>
-                </a:solidFill>
-                <a:latin typeface="Arial"/>
-                <a:ea typeface="Arial"/>
-              </a:rPr>
-              <a:t>Quali sono i metodi e le tecnologie informatiche  </a:t>
-            </a:r>
-            <a:br>
-              <a:rPr sz="1200"/>
-            </a:br>
-            <a:r>
-              <a:rPr b="0" lang="it-IT" sz="1200" spc="-1" strike="noStrike">
-                <a:solidFill>
-                  <a:srgbClr val="000000"/>
-                </a:solidFill>
-                <a:latin typeface="Arial"/>
-                <a:ea typeface="Arial"/>
-              </a:rPr>
-              <a:t>utili per poter applicare algoritmi di Intelligenza Artificiale </a:t>
-            </a:r>
-            <a:br>
-              <a:rPr sz="1200"/>
-            </a:br>
-            <a:r>
-              <a:rPr b="0" lang="it-IT" sz="1200" spc="-1" strike="noStrike">
-                <a:solidFill>
-                  <a:srgbClr val="000000"/>
-                </a:solidFill>
-                <a:latin typeface="Arial"/>
-                <a:ea typeface="Arial"/>
-              </a:rPr>
-              <a:t>a grandi moli di dati provenienti da sensori e </a:t>
-            </a:r>
-            <a:br>
-              <a:rPr sz="1200"/>
-            </a:br>
-            <a:r>
-              <a:rPr b="0" lang="it-IT" sz="1200" spc="-1" strike="noStrike">
-                <a:solidFill>
-                  <a:srgbClr val="000000"/>
-                </a:solidFill>
-                <a:latin typeface="Arial"/>
-                <a:ea typeface="Arial"/>
-              </a:rPr>
-              <a:t>che richiedono elaborazioni di diversa granularità e complessità?</a:t>
-            </a:r>
-            <a:endParaRPr b="0" lang="en-US" sz="1200" spc="-1" strike="noStrike">
-              <a:solidFill>
-                <a:srgbClr val="000000"/>
-              </a:solidFill>
-              <a:latin typeface="Arial"/>
-            </a:endParaRPr>
-          </a:p>
-          <a:p>
-            <a:pPr marL="158760" indent="0">
-              <a:lnSpc>
-                <a:spcPct val="100000"/>
-              </a:lnSpc>
-              <a:buNone/>
-              <a:tabLst>
-                <a:tab algn="l" pos="0"/>
-              </a:tabLst>
-            </a:pPr>
-            <a:endParaRPr b="0" lang="en-US" sz="1200" spc="-1" strike="noStrike">
-              <a:solidFill>
-                <a:srgbClr val="000000"/>
-              </a:solidFill>
-              <a:latin typeface="Arial"/>
-            </a:endParaRPr>
-          </a:p>
-          <a:p>
-            <a:pPr indent="0">
-              <a:lnSpc>
-                <a:spcPct val="100000"/>
-              </a:lnSpc>
-              <a:buNone/>
-              <a:tabLst>
-                <a:tab algn="l" pos="0"/>
-              </a:tabLst>
-            </a:pPr>
-            <a:endParaRPr b="0" lang="en-US" sz="1200" spc="-1" strike="noStrike">
-              <a:solidFill>
-                <a:srgbClr val="000000"/>
-              </a:solidFill>
-              <a:latin typeface="Arial"/>
-            </a:endParaRPr>
-          </a:p>
-          <a:p>
-            <a:pPr marL="457200" indent="-298440">
-              <a:lnSpc>
-                <a:spcPct val="100000"/>
-              </a:lnSpc>
-              <a:buClr>
-                <a:srgbClr val="000000"/>
-              </a:buClr>
-              <a:buFont typeface="Arial"/>
-              <a:buChar char="●"/>
-              <a:tabLst>
-                <a:tab algn="l" pos="0"/>
-              </a:tabLst>
-            </a:pPr>
-            <a:r>
-              <a:rPr b="0" lang="it-IT" sz="1200" spc="-1" strike="noStrike">
-                <a:solidFill>
-                  <a:srgbClr val="000000"/>
-                </a:solidFill>
-                <a:latin typeface="Arial"/>
-                <a:ea typeface="Arial"/>
-              </a:rPr>
-              <a:t>Parleremo di IoT, Edge, Fog, Cloud, architetture software </a:t>
-            </a:r>
-            <a:br>
-              <a:rPr sz="1200"/>
-            </a:br>
-            <a:r>
-              <a:rPr b="0" lang="it-IT" sz="1200" spc="-1" strike="noStrike">
-                <a:solidFill>
-                  <a:srgbClr val="000000"/>
-                </a:solidFill>
-                <a:latin typeface="Arial"/>
-                <a:ea typeface="Arial"/>
-              </a:rPr>
-              <a:t>ed esempi su particolari domini applicativi</a:t>
-            </a:r>
-            <a:br>
-              <a:rPr sz="1200"/>
-            </a:br>
-            <a:r>
-              <a:rPr b="0" lang="it-IT" sz="1200" spc="-1" strike="noStrike">
-                <a:solidFill>
-                  <a:srgbClr val="000000"/>
-                </a:solidFill>
-                <a:latin typeface="Arial"/>
-              </a:rPr>
-              <a:t> </a:t>
-            </a:r>
-            <a:endParaRPr b="0" lang="en-US" sz="1200" spc="-1" strike="noStrike">
-              <a:solidFill>
-                <a:srgbClr val="000000"/>
-              </a:solidFill>
-              <a:latin typeface="Arial"/>
-            </a:endParaRPr>
-          </a:p>
-          <a:p>
-            <a:pPr indent="0">
-              <a:lnSpc>
-                <a:spcPct val="100000"/>
-              </a:lnSpc>
-              <a:buNone/>
-              <a:tabLst>
-                <a:tab algn="l" pos="0"/>
-              </a:tabLst>
-            </a:pPr>
-            <a:endParaRPr b="0" lang="en-US" sz="2400" spc="-1" strike="noStrike">
-              <a:solidFill>
-                <a:srgbClr val="000000"/>
-              </a:solidFill>
-              <a:latin typeface="Arial"/>
-            </a:endParaRPr>
-          </a:p>
-        </p:txBody>
       </p:sp>
     </p:spTree>
   </p:cSld>
@@ -2452,7 +919,7 @@
       </p:grpSpPr>
       <p:sp>
         <p:nvSpPr>
-          <p:cNvPr id="267" name="PlaceHolder 1"/>
+          <p:cNvPr id="264" name="PlaceHolder 1"/>
           <p:cNvSpPr>
             <a:spLocks noGrp="1"/>
           </p:cNvSpPr>
@@ -2511,7 +978,7 @@
                 <a:tab algn="l" pos="2895480"/>
               </a:tabLst>
             </a:pPr>
-            <a:fld id="{12F8A6ED-1024-4697-A8FB-DB7D718FBF3F}" type="slidenum">
+            <a:fld id="{F184BE82-2B36-474F-9257-21F2EFA138E7}" type="slidenum">
               <a:rPr b="0" lang="it-IT" sz="1400" spc="-1" strike="noStrike">
                 <a:solidFill>
                   <a:srgbClr val="000000"/>
@@ -2532,7 +999,7 @@
       </p:sp>
       <p:sp>
         <p:nvSpPr>
-          <p:cNvPr id="268" name="PlaceHolder 2"/>
+          <p:cNvPr id="265" name="PlaceHolder 2"/>
           <p:cNvSpPr>
             <a:spLocks noGrp="1"/>
           </p:cNvSpPr>
@@ -2552,209 +1019,6 @@
             <a:noFill/>
           </a:ln>
         </p:spPr>
-      </p:sp>
-      <p:sp>
-        <p:nvSpPr>
-          <p:cNvPr id="269" name="PlaceHolder 3"/>
-          <p:cNvSpPr>
-            <a:spLocks noGrp="1"/>
-          </p:cNvSpPr>
-          <p:nvPr>
-            <p:ph type="body"/>
-          </p:nvPr>
-        </p:nvSpPr>
-        <p:spPr>
-          <a:xfrm>
-            <a:off x="755640" y="5078520"/>
-            <a:ext cx="6048000" cy="4811400"/>
-          </a:xfrm>
-          <a:prstGeom prst="rect">
-            <a:avLst/>
-          </a:prstGeom>
-          <a:noFill/>
-          <a:ln w="0">
-            <a:noFill/>
-          </a:ln>
-        </p:spPr>
-        <p:txBody>
-          <a:bodyPr lIns="91440" rIns="91440" tIns="91440" bIns="91440" anchor="ctr">
-            <a:noAutofit/>
-          </a:bodyPr>
-          <a:p>
-            <a:pPr marL="457200" indent="-298440">
-              <a:lnSpc>
-                <a:spcPct val="100000"/>
-              </a:lnSpc>
-              <a:buClr>
-                <a:srgbClr val="000000"/>
-              </a:buClr>
-              <a:buFont typeface="Arial"/>
-              <a:buChar char="●"/>
-            </a:pPr>
-            <a:r>
-              <a:rPr b="0" lang="it-IT" sz="1200" spc="-1" strike="noStrike">
-                <a:solidFill>
-                  <a:srgbClr val="000000"/>
-                </a:solidFill>
-                <a:latin typeface="Arial"/>
-                <a:ea typeface="Arial"/>
-              </a:rPr>
-              <a:t>Quali sono i metodi e le tecnologie informatiche  </a:t>
-            </a:r>
-            <a:br>
-              <a:rPr sz="1200"/>
-            </a:br>
-            <a:r>
-              <a:rPr b="0" lang="it-IT" sz="1200" spc="-1" strike="noStrike">
-                <a:solidFill>
-                  <a:srgbClr val="000000"/>
-                </a:solidFill>
-                <a:latin typeface="Arial"/>
-                <a:ea typeface="Arial"/>
-              </a:rPr>
-              <a:t>utili per poter applicare algoritmi di Intelligenza Artificiale </a:t>
-            </a:r>
-            <a:br>
-              <a:rPr sz="1200"/>
-            </a:br>
-            <a:r>
-              <a:rPr b="0" lang="it-IT" sz="1200" spc="-1" strike="noStrike">
-                <a:solidFill>
-                  <a:srgbClr val="000000"/>
-                </a:solidFill>
-                <a:latin typeface="Arial"/>
-                <a:ea typeface="Arial"/>
-              </a:rPr>
-              <a:t>a grandi moli di dati provenienti da sensori e </a:t>
-            </a:r>
-            <a:br>
-              <a:rPr sz="1200"/>
-            </a:br>
-            <a:r>
-              <a:rPr b="0" lang="it-IT" sz="1200" spc="-1" strike="noStrike">
-                <a:solidFill>
-                  <a:srgbClr val="000000"/>
-                </a:solidFill>
-                <a:latin typeface="Arial"/>
-                <a:ea typeface="Arial"/>
-              </a:rPr>
-              <a:t>che richiedono elaborazioni di diversa granularità e complessità?</a:t>
-            </a:r>
-            <a:endParaRPr b="0" lang="en-US" sz="1200" spc="-1" strike="noStrike">
-              <a:solidFill>
-                <a:srgbClr val="000000"/>
-              </a:solidFill>
-              <a:latin typeface="Arial"/>
-            </a:endParaRPr>
-          </a:p>
-          <a:p>
-            <a:pPr marL="158760" indent="0">
-              <a:lnSpc>
-                <a:spcPct val="100000"/>
-              </a:lnSpc>
-              <a:buNone/>
-              <a:tabLst>
-                <a:tab algn="l" pos="0"/>
-              </a:tabLst>
-            </a:pPr>
-            <a:endParaRPr b="0" lang="en-US" sz="1200" spc="-1" strike="noStrike">
-              <a:solidFill>
-                <a:srgbClr val="000000"/>
-              </a:solidFill>
-              <a:latin typeface="Arial"/>
-            </a:endParaRPr>
-          </a:p>
-          <a:p>
-            <a:pPr indent="0">
-              <a:lnSpc>
-                <a:spcPct val="100000"/>
-              </a:lnSpc>
-              <a:buNone/>
-              <a:tabLst>
-                <a:tab algn="l" pos="0"/>
-              </a:tabLst>
-            </a:pPr>
-            <a:endParaRPr b="0" lang="en-US" sz="1200" spc="-1" strike="noStrike">
-              <a:solidFill>
-                <a:srgbClr val="000000"/>
-              </a:solidFill>
-              <a:latin typeface="Arial"/>
-            </a:endParaRPr>
-          </a:p>
-          <a:p>
-            <a:pPr marL="457200" indent="-298440">
-              <a:lnSpc>
-                <a:spcPct val="100000"/>
-              </a:lnSpc>
-              <a:buClr>
-                <a:srgbClr val="000000"/>
-              </a:buClr>
-              <a:buFont typeface="Arial"/>
-              <a:buChar char="●"/>
-              <a:tabLst>
-                <a:tab algn="l" pos="0"/>
-              </a:tabLst>
-            </a:pPr>
-            <a:r>
-              <a:rPr b="0" lang="it-IT" sz="1200" spc="-1" strike="noStrike">
-                <a:solidFill>
-                  <a:srgbClr val="000000"/>
-                </a:solidFill>
-                <a:latin typeface="Arial"/>
-                <a:ea typeface="Arial"/>
-              </a:rPr>
-              <a:t>Parleremo di IoT, Edge, Fog, Cloud, architetture software </a:t>
-            </a:r>
-            <a:br>
-              <a:rPr sz="1200"/>
-            </a:br>
-            <a:r>
-              <a:rPr b="0" lang="it-IT" sz="1200" spc="-1" strike="noStrike">
-                <a:solidFill>
-                  <a:srgbClr val="000000"/>
-                </a:solidFill>
-                <a:latin typeface="Arial"/>
-                <a:ea typeface="Arial"/>
-              </a:rPr>
-              <a:t>ed esempi su particolari domini applicativi</a:t>
-            </a:r>
-            <a:br>
-              <a:rPr sz="1200"/>
-            </a:br>
-            <a:r>
-              <a:rPr b="0" lang="it-IT" sz="1200" spc="-1" strike="noStrike">
-                <a:solidFill>
-                  <a:srgbClr val="000000"/>
-                </a:solidFill>
-                <a:latin typeface="Arial"/>
-              </a:rPr>
-              <a:t> </a:t>
-            </a:r>
-            <a:endParaRPr b="0" lang="en-US" sz="1200" spc="-1" strike="noStrike">
-              <a:solidFill>
-                <a:srgbClr val="000000"/>
-              </a:solidFill>
-              <a:latin typeface="Arial"/>
-            </a:endParaRPr>
-          </a:p>
-          <a:p>
-            <a:pPr indent="0">
-              <a:lnSpc>
-                <a:spcPct val="100000"/>
-              </a:lnSpc>
-              <a:buNone/>
-              <a:tabLst>
-                <a:tab algn="l" pos="0"/>
-              </a:tabLst>
-            </a:pPr>
-            <a:endParaRPr b="0" lang="en-US" sz="2400" spc="-1" strike="noStrike">
-              <a:solidFill>
-                <a:srgbClr val="000000"/>
-              </a:solidFill>
-              <a:latin typeface="Arial"/>
-            </a:endParaRPr>
-          </a:p>
-        </p:txBody>
       </p:sp>
     </p:spTree>
   </p:cSld>
@@ -2780,7 +1044,7 @@
       </p:grpSpPr>
       <p:sp>
         <p:nvSpPr>
-          <p:cNvPr id="270" name="PlaceHolder 1"/>
+          <p:cNvPr id="266" name="PlaceHolder 1"/>
           <p:cNvSpPr>
             <a:spLocks noGrp="1"/>
           </p:cNvSpPr>
@@ -2839,7 +1103,7 @@
                 <a:tab algn="l" pos="2895480"/>
               </a:tabLst>
             </a:pPr>
-            <a:fld id="{C0177613-2B8B-40FB-850E-296701BC4668}" type="slidenum">
+            <a:fld id="{2766F931-CE09-4B79-8A0E-CD7D96FA6BFA}" type="slidenum">
               <a:rPr b="0" lang="it-IT" sz="1400" spc="-1" strike="noStrike">
                 <a:solidFill>
                   <a:srgbClr val="000000"/>
@@ -2860,7 +1124,7 @@
       </p:sp>
       <p:sp>
         <p:nvSpPr>
-          <p:cNvPr id="271" name="PlaceHolder 2"/>
+          <p:cNvPr id="267" name="PlaceHolder 2"/>
           <p:cNvSpPr>
             <a:spLocks noGrp="1"/>
           </p:cNvSpPr>
@@ -2880,220 +1144,6 @@
             <a:noFill/>
           </a:ln>
         </p:spPr>
-      </p:sp>
-      <p:sp>
-        <p:nvSpPr>
-          <p:cNvPr id="272" name="PlaceHolder 3"/>
-          <p:cNvSpPr>
-            <a:spLocks noGrp="1"/>
-          </p:cNvSpPr>
-          <p:nvPr>
-            <p:ph type="body"/>
-          </p:nvPr>
-        </p:nvSpPr>
-        <p:spPr>
-          <a:xfrm>
-            <a:off x="755640" y="5078520"/>
-            <a:ext cx="6048000" cy="4811400"/>
-          </a:xfrm>
-          <a:prstGeom prst="rect">
-            <a:avLst/>
-          </a:prstGeom>
-          <a:noFill/>
-          <a:ln w="0">
-            <a:noFill/>
-          </a:ln>
-        </p:spPr>
-        <p:txBody>
-          <a:bodyPr lIns="91440" rIns="91440" tIns="91440" bIns="91440" anchor="ctr">
-            <a:noAutofit/>
-          </a:bodyPr>
-          <a:p>
-            <a:pPr marL="457200" indent="-298440">
-              <a:lnSpc>
-                <a:spcPct val="100000"/>
-              </a:lnSpc>
-              <a:buClr>
-                <a:srgbClr val="000000"/>
-              </a:buClr>
-              <a:buFont typeface="Arial"/>
-              <a:buChar char="●"/>
-            </a:pPr>
-            <a:r>
-              <a:rPr b="1" lang="it-IT" sz="1200" spc="-1" strike="noStrike">
-                <a:solidFill>
-                  <a:srgbClr val="000000"/>
-                </a:solidFill>
-                <a:latin typeface="Arial"/>
-                <a:ea typeface="Arial"/>
-              </a:rPr>
-              <a:t>L'Internet degli cose </a:t>
-            </a:r>
-            <a:r>
-              <a:rPr b="0" lang="it-IT" sz="1200" spc="-1" strike="noStrike">
-                <a:solidFill>
-                  <a:srgbClr val="000000"/>
-                </a:solidFill>
-                <a:latin typeface="Arial"/>
-                <a:ea typeface="Arial"/>
-              </a:rPr>
-              <a:t>è la rete di </a:t>
-            </a:r>
-            <a:br>
-              <a:rPr sz="1200"/>
-            </a:br>
-            <a:r>
-              <a:rPr b="0" lang="it-IT" sz="1200" spc="-1" strike="noStrike">
-                <a:solidFill>
-                  <a:srgbClr val="000000"/>
-                </a:solidFill>
-                <a:latin typeface="Arial"/>
-                <a:ea typeface="Arial"/>
-              </a:rPr>
-              <a:t>oggetti intelligenti che contengono </a:t>
-            </a:r>
-            <a:br>
-              <a:rPr sz="1200"/>
-            </a:br>
-            <a:r>
-              <a:rPr b="0" lang="it-IT" sz="1200" spc="-1" strike="noStrike">
-                <a:solidFill>
-                  <a:srgbClr val="000000"/>
-                </a:solidFill>
-                <a:latin typeface="Arial"/>
-                <a:ea typeface="Arial"/>
-              </a:rPr>
-              <a:t>una tecnologia incorporata per </a:t>
-            </a:r>
-            <a:br>
-              <a:rPr sz="1200"/>
-            </a:br>
-            <a:r>
-              <a:rPr b="0" lang="it-IT" sz="1200" spc="-1" strike="noStrike">
-                <a:solidFill>
-                  <a:srgbClr val="000000"/>
-                </a:solidFill>
-                <a:latin typeface="Arial"/>
-                <a:ea typeface="Arial"/>
-              </a:rPr>
-              <a:t>comunicare e percepire o interagire </a:t>
-            </a:r>
-            <a:br>
-              <a:rPr sz="1200"/>
-            </a:br>
-            <a:r>
-              <a:rPr b="0" lang="it-IT" sz="1200" spc="-1" strike="noStrike">
-                <a:solidFill>
-                  <a:srgbClr val="000000"/>
-                </a:solidFill>
-                <a:latin typeface="Arial"/>
-                <a:ea typeface="Arial"/>
-              </a:rPr>
-              <a:t>con l'ambiente esterno.</a:t>
-            </a:r>
-            <a:endParaRPr b="0" lang="en-US" sz="1200" spc="-1" strike="noStrike">
-              <a:solidFill>
-                <a:srgbClr val="000000"/>
-              </a:solidFill>
-              <a:latin typeface="Arial"/>
-            </a:endParaRPr>
-          </a:p>
-          <a:p>
-            <a:pPr indent="0">
-              <a:lnSpc>
-                <a:spcPct val="100000"/>
-              </a:lnSpc>
-              <a:buNone/>
-            </a:pPr>
-            <a:endParaRPr b="0" lang="en-US" sz="1200" spc="-1" strike="noStrike">
-              <a:solidFill>
-                <a:srgbClr val="000000"/>
-              </a:solidFill>
-              <a:latin typeface="Arial"/>
-            </a:endParaRPr>
-          </a:p>
-          <a:p>
-            <a:pPr marL="457200" indent="-298440">
-              <a:lnSpc>
-                <a:spcPct val="100000"/>
-              </a:lnSpc>
-              <a:buClr>
-                <a:srgbClr val="000000"/>
-              </a:buClr>
-              <a:buFont typeface="Arial"/>
-              <a:buChar char="●"/>
-            </a:pPr>
-            <a:r>
-              <a:rPr b="0" lang="it-IT" sz="1200" spc="-1" strike="noStrike">
-                <a:solidFill>
-                  <a:srgbClr val="000000"/>
-                </a:solidFill>
-                <a:latin typeface="Arial"/>
-                <a:ea typeface="Arial"/>
-              </a:rPr>
-              <a:t>Una volta che un oggetto intelligente </a:t>
-            </a:r>
-            <a:br>
-              <a:rPr sz="1200"/>
-            </a:br>
-            <a:r>
-              <a:rPr b="0" lang="it-IT" sz="1200" spc="-1" strike="noStrike">
-                <a:solidFill>
-                  <a:srgbClr val="000000"/>
-                </a:solidFill>
-                <a:latin typeface="Arial"/>
-                <a:ea typeface="Arial"/>
-              </a:rPr>
-              <a:t>viene connesso a Internet, </a:t>
-            </a:r>
-            <a:br>
-              <a:rPr sz="1200"/>
-            </a:br>
-            <a:r>
-              <a:rPr b="0" lang="it-IT" sz="1200" spc="-1" strike="noStrike">
-                <a:solidFill>
-                  <a:srgbClr val="000000"/>
-                </a:solidFill>
-                <a:latin typeface="Arial"/>
-                <a:ea typeface="Arial"/>
-              </a:rPr>
-              <a:t>i suoi servizi diventano parte </a:t>
-            </a:r>
-            <a:br>
-              <a:rPr sz="1200"/>
-            </a:br>
-            <a:r>
-              <a:rPr b="0" lang="it-IT" sz="1200" spc="-1" strike="noStrike">
-                <a:solidFill>
-                  <a:srgbClr val="000000"/>
-                </a:solidFill>
-                <a:latin typeface="Arial"/>
-                <a:ea typeface="Arial"/>
-              </a:rPr>
-              <a:t>della rete stessa</a:t>
-            </a:r>
-            <a:endParaRPr b="0" lang="en-US" sz="1200" spc="-1" strike="noStrike">
-              <a:solidFill>
-                <a:srgbClr val="000000"/>
-              </a:solidFill>
-              <a:latin typeface="Arial"/>
-            </a:endParaRPr>
-          </a:p>
-          <a:p>
-            <a:pPr indent="0">
-              <a:lnSpc>
-                <a:spcPct val="100000"/>
-              </a:lnSpc>
-              <a:buNone/>
-            </a:pPr>
-            <a:endParaRPr b="0" lang="en-US" sz="2400" spc="-1" strike="noStrike">
-              <a:solidFill>
-                <a:srgbClr val="000000"/>
-              </a:solidFill>
-              <a:latin typeface="Arial"/>
-            </a:endParaRPr>
-          </a:p>
-        </p:txBody>
       </p:sp>
     </p:spTree>
   </p:cSld>
@@ -3119,7 +1169,7 @@
       </p:grpSpPr>
       <p:sp>
         <p:nvSpPr>
-          <p:cNvPr id="273" name="PlaceHolder 1"/>
+          <p:cNvPr id="268" name="PlaceHolder 1"/>
           <p:cNvSpPr>
             <a:spLocks noGrp="1"/>
           </p:cNvSpPr>
@@ -3178,7 +1228,7 @@
                 <a:tab algn="l" pos="2895480"/>
               </a:tabLst>
             </a:pPr>
-            <a:fld id="{9F371600-78D8-4009-9B00-EE3E8881EEC2}" type="slidenum">
+            <a:fld id="{1F85C4D5-6590-4FED-AC0A-90D532CA8FBD}" type="slidenum">
               <a:rPr b="0" lang="it-IT" sz="1400" spc="-1" strike="noStrike">
                 <a:solidFill>
                   <a:srgbClr val="000000"/>
@@ -3199,7 +1249,7 @@
       </p:sp>
       <p:sp>
         <p:nvSpPr>
-          <p:cNvPr id="274" name="PlaceHolder 2"/>
+          <p:cNvPr id="269" name="PlaceHolder 2"/>
           <p:cNvSpPr>
             <a:spLocks noGrp="1"/>
           </p:cNvSpPr>
@@ -3219,441 +1269,6 @@
             <a:noFill/>
           </a:ln>
         </p:spPr>
-      </p:sp>
-      <p:sp>
-        <p:nvSpPr>
-          <p:cNvPr id="275" name="PlaceHolder 3"/>
-          <p:cNvSpPr>
-            <a:spLocks noGrp="1"/>
-          </p:cNvSpPr>
-          <p:nvPr>
-            <p:ph type="body"/>
-          </p:nvPr>
-        </p:nvSpPr>
-        <p:spPr>
-          <a:xfrm>
-            <a:off x="755640" y="5078520"/>
-            <a:ext cx="6048000" cy="4811400"/>
-          </a:xfrm>
-          <a:prstGeom prst="rect">
-            <a:avLst/>
-          </a:prstGeom>
-          <a:noFill/>
-          <a:ln w="0">
-            <a:noFill/>
-          </a:ln>
-        </p:spPr>
-        <p:txBody>
-          <a:bodyPr lIns="91440" rIns="91440" tIns="91440" bIns="91440" anchor="ctr">
-            <a:noAutofit/>
-          </a:bodyPr>
-          <a:p>
-            <a:pPr marL="457200" indent="-298440">
-              <a:lnSpc>
-                <a:spcPct val="100000"/>
-              </a:lnSpc>
-              <a:buClr>
-                <a:srgbClr val="000000"/>
-              </a:buClr>
-              <a:buFont typeface="Arial"/>
-              <a:buChar char="●"/>
-            </a:pPr>
-            <a:r>
-              <a:rPr b="1" lang="it-IT" sz="1200" spc="-1" strike="noStrike">
-                <a:solidFill>
-                  <a:srgbClr val="000000"/>
-                </a:solidFill>
-                <a:latin typeface="Arial"/>
-                <a:ea typeface="Arial"/>
-              </a:rPr>
-              <a:t>L'Internet degli cose </a:t>
-            </a:r>
-            <a:r>
-              <a:rPr b="0" lang="it-IT" sz="1200" spc="-1" strike="noStrike">
-                <a:solidFill>
-                  <a:srgbClr val="000000"/>
-                </a:solidFill>
-                <a:latin typeface="Arial"/>
-                <a:ea typeface="Arial"/>
-              </a:rPr>
-              <a:t>è la rete di </a:t>
-            </a:r>
-            <a:br>
-              <a:rPr sz="1200"/>
-            </a:br>
-            <a:r>
-              <a:rPr b="0" lang="it-IT" sz="1200" spc="-1" strike="noStrike">
-                <a:solidFill>
-                  <a:srgbClr val="000000"/>
-                </a:solidFill>
-                <a:latin typeface="Arial"/>
-                <a:ea typeface="Arial"/>
-              </a:rPr>
-              <a:t>oggetti intelligenti che contengono </a:t>
-            </a:r>
-            <a:br>
-              <a:rPr sz="1200"/>
-            </a:br>
-            <a:r>
-              <a:rPr b="0" lang="it-IT" sz="1200" spc="-1" strike="noStrike">
-                <a:solidFill>
-                  <a:srgbClr val="000000"/>
-                </a:solidFill>
-                <a:latin typeface="Arial"/>
-                <a:ea typeface="Arial"/>
-              </a:rPr>
-              <a:t>una tecnologia incorporata per </a:t>
-            </a:r>
-            <a:br>
-              <a:rPr sz="1200"/>
-            </a:br>
-            <a:r>
-              <a:rPr b="0" lang="it-IT" sz="1200" spc="-1" strike="noStrike">
-                <a:solidFill>
-                  <a:srgbClr val="000000"/>
-                </a:solidFill>
-                <a:latin typeface="Arial"/>
-                <a:ea typeface="Arial"/>
-              </a:rPr>
-              <a:t>comunicare e percepire o interagire </a:t>
-            </a:r>
-            <a:br>
-              <a:rPr sz="1200"/>
-            </a:br>
-            <a:r>
-              <a:rPr b="0" lang="it-IT" sz="1200" spc="-1" strike="noStrike">
-                <a:solidFill>
-                  <a:srgbClr val="000000"/>
-                </a:solidFill>
-                <a:latin typeface="Arial"/>
-                <a:ea typeface="Arial"/>
-              </a:rPr>
-              <a:t>con l'ambiente esterno.</a:t>
-            </a:r>
-            <a:endParaRPr b="0" lang="en-US" sz="1200" spc="-1" strike="noStrike">
-              <a:solidFill>
-                <a:srgbClr val="000000"/>
-              </a:solidFill>
-              <a:latin typeface="Arial"/>
-            </a:endParaRPr>
-          </a:p>
-          <a:p>
-            <a:pPr indent="0">
-              <a:lnSpc>
-                <a:spcPct val="100000"/>
-              </a:lnSpc>
-              <a:buNone/>
-            </a:pPr>
-            <a:endParaRPr b="0" lang="en-US" sz="1200" spc="-1" strike="noStrike">
-              <a:solidFill>
-                <a:srgbClr val="000000"/>
-              </a:solidFill>
-              <a:latin typeface="Arial"/>
-            </a:endParaRPr>
-          </a:p>
-          <a:p>
-            <a:pPr marL="457200" indent="-298440">
-              <a:lnSpc>
-                <a:spcPct val="100000"/>
-              </a:lnSpc>
-              <a:buClr>
-                <a:srgbClr val="000000"/>
-              </a:buClr>
-              <a:buFont typeface="Arial"/>
-              <a:buChar char="●"/>
-            </a:pPr>
-            <a:r>
-              <a:rPr b="0" lang="it-IT" sz="1200" spc="-1" strike="noStrike">
-                <a:solidFill>
-                  <a:srgbClr val="000000"/>
-                </a:solidFill>
-                <a:latin typeface="Arial"/>
-                <a:ea typeface="Arial"/>
-              </a:rPr>
-              <a:t>Una volta che un oggetto intelligente </a:t>
-            </a:r>
-            <a:br>
-              <a:rPr sz="1200"/>
-            </a:br>
-            <a:r>
-              <a:rPr b="0" lang="it-IT" sz="1200" spc="-1" strike="noStrike">
-                <a:solidFill>
-                  <a:srgbClr val="000000"/>
-                </a:solidFill>
-                <a:latin typeface="Arial"/>
-                <a:ea typeface="Arial"/>
-              </a:rPr>
-              <a:t>viene connesso a Internet, </a:t>
-            </a:r>
-            <a:br>
-              <a:rPr sz="1200"/>
-            </a:br>
-            <a:r>
-              <a:rPr b="0" lang="it-IT" sz="1200" spc="-1" strike="noStrike">
-                <a:solidFill>
-                  <a:srgbClr val="000000"/>
-                </a:solidFill>
-                <a:latin typeface="Arial"/>
-                <a:ea typeface="Arial"/>
-              </a:rPr>
-              <a:t>i suoi servizi diventano parte </a:t>
-            </a:r>
-            <a:br>
-              <a:rPr sz="1200"/>
-            </a:br>
-            <a:r>
-              <a:rPr b="0" lang="it-IT" sz="1200" spc="-1" strike="noStrike">
-                <a:solidFill>
-                  <a:srgbClr val="000000"/>
-                </a:solidFill>
-                <a:latin typeface="Arial"/>
-                <a:ea typeface="Arial"/>
-              </a:rPr>
-              <a:t>della rete stessa</a:t>
-            </a:r>
-            <a:endParaRPr b="0" lang="en-US" sz="1200" spc="-1" strike="noStrike">
-              <a:solidFill>
-                <a:srgbClr val="000000"/>
-              </a:solidFill>
-              <a:latin typeface="Arial"/>
-            </a:endParaRPr>
-          </a:p>
-          <a:p>
-            <a:pPr indent="0">
-              <a:lnSpc>
-                <a:spcPct val="100000"/>
-              </a:lnSpc>
-              <a:buNone/>
-            </a:pPr>
-            <a:endParaRPr b="0" lang="en-US" sz="2400" spc="-1" strike="noStrike">
-              <a:solidFill>
-                <a:srgbClr val="000000"/>
-              </a:solidFill>
-              <a:latin typeface="Arial"/>
-            </a:endParaRPr>
-          </a:p>
-        </p:txBody>
-      </p:sp>
-    </p:spTree>
-  </p:cSld>
-</p:notes>
-</file>
-
-<file path=ppt/notesSlides/notesSlide6.xml><?xml version="1.0" encoding="utf-8"?>
-<p:notes xmlns:a="http://schemas.openxmlformats.org/drawingml/2006/main" xmlns:p="http://schemas.openxmlformats.org/presentationml/2006/main" xmlns:r="http://schemas.openxmlformats.org/officeDocument/2006/relationships" xmlns:p14="http://schemas.microsoft.com/office/powerpoint/2010/main" xmlns:p15="http://schemas.microsoft.com/office/powerpoint/2012/main" xmlns:mc="http://schemas.openxmlformats.org/markup-compatibility/2006">
-  <p:cSld>
-    <p:spTree>
-      <p:nvGrpSpPr>
-        <p:cNvPr id="1" name=""/>
-        <p:cNvGrpSpPr/>
-        <p:nvPr/>
-      </p:nvGrpSpPr>
-      <p:grpSpPr>
-        <a:xfrm>
-          <a:off x="0" y="0"/>
-          <a:ext cx="0" cy="0"/>
-          <a:chOff x="0" y="0"/>
-          <a:chExt cx="0" cy="0"/>
-        </a:xfrm>
-      </p:grpSpPr>
-      <p:sp>
-        <p:nvSpPr>
-          <p:cNvPr id="276" name="PlaceHolder 1"/>
-          <p:cNvSpPr>
-            <a:spLocks noGrp="1"/>
-          </p:cNvSpPr>
-          <p:nvPr>
-            <p:ph type="sldImg"/>
-          </p:nvPr>
-        </p:nvSpPr>
-        <p:spPr>
-          <a:xfrm>
-            <a:off x="1108080" y="801720"/>
-            <a:ext cx="5344920" cy="4009680"/>
-          </a:xfrm>
-          <a:prstGeom prst="rect">
-            <a:avLst/>
-          </a:prstGeom>
-          <a:ln w="0">
-            <a:noFill/>
-          </a:ln>
-        </p:spPr>
-      </p:sp>
-      <p:sp>
-        <p:nvSpPr>
-          <p:cNvPr id="277" name="PlaceHolder 2"/>
-          <p:cNvSpPr>
-            <a:spLocks noGrp="1"/>
-          </p:cNvSpPr>
-          <p:nvPr>
-            <p:ph type="body"/>
-          </p:nvPr>
-        </p:nvSpPr>
-        <p:spPr>
-          <a:xfrm>
-            <a:off x="756000" y="5078520"/>
-            <a:ext cx="6047280" cy="4811040"/>
-          </a:xfrm>
-          <a:prstGeom prst="rect">
-            <a:avLst/>
-          </a:prstGeom>
-          <a:noFill/>
-          <a:ln w="0">
-            <a:noFill/>
-          </a:ln>
-        </p:spPr>
-        <p:txBody>
-          <a:bodyPr lIns="91440" rIns="91440" tIns="91440" bIns="91440" anchor="t">
-            <a:noAutofit/>
-          </a:bodyPr>
-          <a:p>
-            <a:pPr marL="158760" indent="0">
-              <a:lnSpc>
-                <a:spcPct val="100000"/>
-              </a:lnSpc>
-              <a:buNone/>
-              <a:tabLst>
-                <a:tab algn="l" pos="0"/>
-              </a:tabLst>
-            </a:pPr>
-            <a:r>
-              <a:rPr b="0" lang="it-IT" sz="1200" spc="-1" strike="noStrike">
-                <a:solidFill>
-                  <a:srgbClr val="000000"/>
-                </a:solidFill>
-                <a:latin typeface="Arial"/>
-                <a:ea typeface="Arial"/>
-              </a:rPr>
-              <a:t>Quale affermazione è vera?</a:t>
-            </a:r>
-            <a:br>
-              <a:rPr sz="1200"/>
-            </a:br>
-            <a:br>
-              <a:rPr sz="1200"/>
-            </a:br>
-            <a:r>
-              <a:rPr b="0" lang="it-IT" sz="1200" spc="-1" strike="noStrike">
-                <a:solidFill>
-                  <a:srgbClr val="000000"/>
-                </a:solidFill>
-                <a:latin typeface="Arial"/>
-                <a:ea typeface="Arial"/>
-              </a:rPr>
-              <a:t>A) HTTP è un protocollo asincrono mentre MQTT è un protocollo sincrono</a:t>
-            </a:r>
-            <a:br>
-              <a:rPr sz="1200"/>
-            </a:br>
-            <a:br>
-              <a:rPr sz="1200"/>
-            </a:br>
-            <a:r>
-              <a:rPr b="0" lang="it-IT" sz="1200" spc="-1" strike="noStrike">
-                <a:solidFill>
-                  <a:srgbClr val="000000"/>
-                </a:solidFill>
-                <a:latin typeface="Arial"/>
-                <a:ea typeface="Arial"/>
-              </a:rPr>
-              <a:t>B) Quando una richiesta HTTP ha successo si possono poi ricevere sequenze di ad intervalli regolari</a:t>
-            </a:r>
-            <a:endParaRPr b="0" lang="en-US" sz="1200" spc="-1" strike="noStrike">
-              <a:solidFill>
-                <a:srgbClr val="000000"/>
-              </a:solidFill>
-              <a:latin typeface="Arial"/>
-            </a:endParaRPr>
-          </a:p>
-          <a:p>
-            <a:pPr marL="158760" indent="0">
-              <a:lnSpc>
-                <a:spcPct val="100000"/>
-              </a:lnSpc>
-              <a:buNone/>
-              <a:tabLst>
-                <a:tab algn="l" pos="0"/>
-              </a:tabLst>
-            </a:pPr>
-            <a:endParaRPr b="0" lang="en-US" sz="1200" spc="-1" strike="noStrike">
-              <a:solidFill>
-                <a:srgbClr val="000000"/>
-              </a:solidFill>
-              <a:latin typeface="Arial"/>
-            </a:endParaRPr>
-          </a:p>
-          <a:p>
-            <a:pPr marL="158760" indent="0">
-              <a:lnSpc>
-                <a:spcPct val="100000"/>
-              </a:lnSpc>
-              <a:buNone/>
-              <a:tabLst>
-                <a:tab algn="l" pos="0"/>
-              </a:tabLst>
-            </a:pPr>
-            <a:r>
-              <a:rPr b="0" lang="it-IT" sz="1200" spc="-1" strike="noStrike">
-                <a:solidFill>
-                  <a:srgbClr val="000000"/>
-                </a:solidFill>
-                <a:latin typeface="Arial"/>
-                <a:ea typeface="Arial"/>
-              </a:rPr>
-              <a:t>C) MQTT è un protocollo client/server</a:t>
-            </a:r>
-            <a:endParaRPr b="0" lang="en-US" sz="1200" spc="-1" strike="noStrike">
-              <a:solidFill>
-                <a:srgbClr val="000000"/>
-              </a:solidFill>
-              <a:latin typeface="Arial"/>
-            </a:endParaRPr>
-          </a:p>
-          <a:p>
-            <a:pPr marL="158760" indent="0">
-              <a:lnSpc>
-                <a:spcPct val="100000"/>
-              </a:lnSpc>
-              <a:buNone/>
-              <a:tabLst>
-                <a:tab algn="l" pos="0"/>
-              </a:tabLst>
-            </a:pPr>
-            <a:endParaRPr b="0" lang="en-US" sz="1200" spc="-1" strike="noStrike">
-              <a:solidFill>
-                <a:srgbClr val="000000"/>
-              </a:solidFill>
-              <a:latin typeface="Arial"/>
-            </a:endParaRPr>
-          </a:p>
-          <a:p>
-            <a:pPr marL="158760" indent="0">
-              <a:lnSpc>
-                <a:spcPct val="100000"/>
-              </a:lnSpc>
-              <a:buNone/>
-              <a:tabLst>
-                <a:tab algn="l" pos="0"/>
-              </a:tabLst>
-            </a:pPr>
-            <a:r>
-              <a:rPr b="0" lang="it-IT" sz="1200" spc="-1" strike="noStrike">
-                <a:solidFill>
-                  <a:srgbClr val="000000"/>
-                </a:solidFill>
-                <a:latin typeface="Arial"/>
-                <a:ea typeface="Arial"/>
-              </a:rPr>
-              <a:t>D) Con una sola connessione  MQTT possiamo ricevere dati da un numero arbitrario di nodi di una rete</a:t>
-            </a:r>
-            <a:endParaRPr b="0" lang="en-US" sz="1200" spc="-1" strike="noStrike">
-              <a:solidFill>
-                <a:srgbClr val="000000"/>
-              </a:solidFill>
-              <a:latin typeface="Arial"/>
-            </a:endParaRPr>
-          </a:p>
-        </p:txBody>
       </p:sp>
     </p:spTree>
   </p:cSld>
@@ -3679,7 +1294,7 @@
       </p:grpSpPr>
       <p:sp>
         <p:nvSpPr>
-          <p:cNvPr id="278" name="PlaceHolder 1"/>
+          <p:cNvPr id="270" name="PlaceHolder 1"/>
           <p:cNvSpPr>
             <a:spLocks noGrp="1"/>
           </p:cNvSpPr>
@@ -3738,7 +1353,7 @@
                 <a:tab algn="l" pos="2895480"/>
               </a:tabLst>
             </a:pPr>
-            <a:fld id="{BBD5E767-CAC8-4ADB-BBDD-F0B4ACB4E5E1}" type="slidenum">
+            <a:fld id="{C692D05F-D652-4060-B30E-5C6324D6EEDA}" type="slidenum">
               <a:rPr b="0" lang="it-IT" sz="1400" spc="-1" strike="noStrike">
                 <a:solidFill>
                   <a:srgbClr val="000000"/>
@@ -3759,7 +1374,7 @@
       </p:sp>
       <p:sp>
         <p:nvSpPr>
-          <p:cNvPr id="279" name="PlaceHolder 2"/>
+          <p:cNvPr id="271" name="PlaceHolder 2"/>
           <p:cNvSpPr>
             <a:spLocks noGrp="1"/>
           </p:cNvSpPr>
@@ -3779,220 +1394,6 @@
             <a:noFill/>
           </a:ln>
         </p:spPr>
-      </p:sp>
-      <p:sp>
-        <p:nvSpPr>
-          <p:cNvPr id="280" name="PlaceHolder 3"/>
-          <p:cNvSpPr>
-            <a:spLocks noGrp="1"/>
-          </p:cNvSpPr>
-          <p:nvPr>
-            <p:ph type="body"/>
-          </p:nvPr>
-        </p:nvSpPr>
-        <p:spPr>
-          <a:xfrm>
-            <a:off x="755640" y="5078520"/>
-            <a:ext cx="6048000" cy="4811400"/>
-          </a:xfrm>
-          <a:prstGeom prst="rect">
-            <a:avLst/>
-          </a:prstGeom>
-          <a:noFill/>
-          <a:ln w="0">
-            <a:noFill/>
-          </a:ln>
-        </p:spPr>
-        <p:txBody>
-          <a:bodyPr lIns="91440" rIns="91440" tIns="91440" bIns="91440" anchor="ctr">
-            <a:noAutofit/>
-          </a:bodyPr>
-          <a:p>
-            <a:pPr marL="457200" indent="-298440">
-              <a:lnSpc>
-                <a:spcPct val="100000"/>
-              </a:lnSpc>
-              <a:buClr>
-                <a:srgbClr val="000000"/>
-              </a:buClr>
-              <a:buFont typeface="Arial"/>
-              <a:buChar char="●"/>
-            </a:pPr>
-            <a:r>
-              <a:rPr b="1" lang="it-IT" sz="1200" spc="-1" strike="noStrike">
-                <a:solidFill>
-                  <a:srgbClr val="000000"/>
-                </a:solidFill>
-                <a:latin typeface="Arial"/>
-                <a:ea typeface="Arial"/>
-              </a:rPr>
-              <a:t>L'Internet degli cose </a:t>
-            </a:r>
-            <a:r>
-              <a:rPr b="0" lang="it-IT" sz="1200" spc="-1" strike="noStrike">
-                <a:solidFill>
-                  <a:srgbClr val="000000"/>
-                </a:solidFill>
-                <a:latin typeface="Arial"/>
-                <a:ea typeface="Arial"/>
-              </a:rPr>
-              <a:t>è la rete di </a:t>
-            </a:r>
-            <a:br>
-              <a:rPr sz="1200"/>
-            </a:br>
-            <a:r>
-              <a:rPr b="0" lang="it-IT" sz="1200" spc="-1" strike="noStrike">
-                <a:solidFill>
-                  <a:srgbClr val="000000"/>
-                </a:solidFill>
-                <a:latin typeface="Arial"/>
-                <a:ea typeface="Arial"/>
-              </a:rPr>
-              <a:t>oggetti intelligenti che contengono </a:t>
-            </a:r>
-            <a:br>
-              <a:rPr sz="1200"/>
-            </a:br>
-            <a:r>
-              <a:rPr b="0" lang="it-IT" sz="1200" spc="-1" strike="noStrike">
-                <a:solidFill>
-                  <a:srgbClr val="000000"/>
-                </a:solidFill>
-                <a:latin typeface="Arial"/>
-                <a:ea typeface="Arial"/>
-              </a:rPr>
-              <a:t>una tecnologia incorporata per </a:t>
-            </a:r>
-            <a:br>
-              <a:rPr sz="1200"/>
-            </a:br>
-            <a:r>
-              <a:rPr b="0" lang="it-IT" sz="1200" spc="-1" strike="noStrike">
-                <a:solidFill>
-                  <a:srgbClr val="000000"/>
-                </a:solidFill>
-                <a:latin typeface="Arial"/>
-                <a:ea typeface="Arial"/>
-              </a:rPr>
-              <a:t>comunicare e percepire o interagire </a:t>
-            </a:r>
-            <a:br>
-              <a:rPr sz="1200"/>
-            </a:br>
-            <a:r>
-              <a:rPr b="0" lang="it-IT" sz="1200" spc="-1" strike="noStrike">
-                <a:solidFill>
-                  <a:srgbClr val="000000"/>
-                </a:solidFill>
-                <a:latin typeface="Arial"/>
-                <a:ea typeface="Arial"/>
-              </a:rPr>
-              <a:t>con l'ambiente esterno.</a:t>
-            </a:r>
-            <a:endParaRPr b="0" lang="en-US" sz="1200" spc="-1" strike="noStrike">
-              <a:solidFill>
-                <a:srgbClr val="000000"/>
-              </a:solidFill>
-              <a:latin typeface="Arial"/>
-            </a:endParaRPr>
-          </a:p>
-          <a:p>
-            <a:pPr indent="0">
-              <a:lnSpc>
-                <a:spcPct val="100000"/>
-              </a:lnSpc>
-              <a:buNone/>
-            </a:pPr>
-            <a:endParaRPr b="0" lang="en-US" sz="1200" spc="-1" strike="noStrike">
-              <a:solidFill>
-                <a:srgbClr val="000000"/>
-              </a:solidFill>
-              <a:latin typeface="Arial"/>
-            </a:endParaRPr>
-          </a:p>
-          <a:p>
-            <a:pPr marL="457200" indent="-298440">
-              <a:lnSpc>
-                <a:spcPct val="100000"/>
-              </a:lnSpc>
-              <a:buClr>
-                <a:srgbClr val="000000"/>
-              </a:buClr>
-              <a:buFont typeface="Arial"/>
-              <a:buChar char="●"/>
-            </a:pPr>
-            <a:r>
-              <a:rPr b="0" lang="it-IT" sz="1200" spc="-1" strike="noStrike">
-                <a:solidFill>
-                  <a:srgbClr val="000000"/>
-                </a:solidFill>
-                <a:latin typeface="Arial"/>
-                <a:ea typeface="Arial"/>
-              </a:rPr>
-              <a:t>Una volta che un oggetto intelligente </a:t>
-            </a:r>
-            <a:br>
-              <a:rPr sz="1200"/>
-            </a:br>
-            <a:r>
-              <a:rPr b="0" lang="it-IT" sz="1200" spc="-1" strike="noStrike">
-                <a:solidFill>
-                  <a:srgbClr val="000000"/>
-                </a:solidFill>
-                <a:latin typeface="Arial"/>
-                <a:ea typeface="Arial"/>
-              </a:rPr>
-              <a:t>viene connesso a Internet, </a:t>
-            </a:r>
-            <a:br>
-              <a:rPr sz="1200"/>
-            </a:br>
-            <a:r>
-              <a:rPr b="0" lang="it-IT" sz="1200" spc="-1" strike="noStrike">
-                <a:solidFill>
-                  <a:srgbClr val="000000"/>
-                </a:solidFill>
-                <a:latin typeface="Arial"/>
-                <a:ea typeface="Arial"/>
-              </a:rPr>
-              <a:t>i suoi servizi diventano parte </a:t>
-            </a:r>
-            <a:br>
-              <a:rPr sz="1200"/>
-            </a:br>
-            <a:r>
-              <a:rPr b="0" lang="it-IT" sz="1200" spc="-1" strike="noStrike">
-                <a:solidFill>
-                  <a:srgbClr val="000000"/>
-                </a:solidFill>
-                <a:latin typeface="Arial"/>
-                <a:ea typeface="Arial"/>
-              </a:rPr>
-              <a:t>della rete stessa</a:t>
-            </a:r>
-            <a:endParaRPr b="0" lang="en-US" sz="1200" spc="-1" strike="noStrike">
-              <a:solidFill>
-                <a:srgbClr val="000000"/>
-              </a:solidFill>
-              <a:latin typeface="Arial"/>
-            </a:endParaRPr>
-          </a:p>
-          <a:p>
-            <a:pPr indent="0">
-              <a:lnSpc>
-                <a:spcPct val="100000"/>
-              </a:lnSpc>
-              <a:buNone/>
-            </a:pPr>
-            <a:endParaRPr b="0" lang="en-US" sz="2400" spc="-1" strike="noStrike">
-              <a:solidFill>
-                <a:srgbClr val="000000"/>
-              </a:solidFill>
-              <a:latin typeface="Arial"/>
-            </a:endParaRPr>
-          </a:p>
-        </p:txBody>
       </p:sp>
     </p:spTree>
   </p:cSld>
@@ -4018,7 +1419,7 @@
       </p:grpSpPr>
       <p:sp>
         <p:nvSpPr>
-          <p:cNvPr id="281" name="PlaceHolder 1"/>
+          <p:cNvPr id="272" name="PlaceHolder 1"/>
           <p:cNvSpPr>
             <a:spLocks noGrp="1"/>
           </p:cNvSpPr>
@@ -4077,7 +1478,7 @@
                 <a:tab algn="l" pos="2895480"/>
               </a:tabLst>
             </a:pPr>
-            <a:fld id="{839CF7F9-B570-4A17-9F94-8BF32D6DAFD5}" type="slidenum">
+            <a:fld id="{EC888350-9AE7-4F1E-8595-34BF0920B9D2}" type="slidenum">
               <a:rPr b="0" lang="it-IT" sz="1400" spc="-1" strike="noStrike">
                 <a:solidFill>
                   <a:srgbClr val="000000"/>
@@ -4098,7 +1499,7 @@
       </p:sp>
       <p:sp>
         <p:nvSpPr>
-          <p:cNvPr id="282" name="PlaceHolder 2"/>
+          <p:cNvPr id="273" name="PlaceHolder 2"/>
           <p:cNvSpPr>
             <a:spLocks noGrp="1"/>
           </p:cNvSpPr>
@@ -4118,220 +1519,6 @@
             <a:noFill/>
           </a:ln>
         </p:spPr>
-      </p:sp>
-      <p:sp>
-        <p:nvSpPr>
-          <p:cNvPr id="283" name="PlaceHolder 3"/>
-          <p:cNvSpPr>
-            <a:spLocks noGrp="1"/>
-          </p:cNvSpPr>
-          <p:nvPr>
-            <p:ph type="body"/>
-          </p:nvPr>
-        </p:nvSpPr>
-        <p:spPr>
-          <a:xfrm>
-            <a:off x="755640" y="5078520"/>
-            <a:ext cx="6048000" cy="4811400"/>
-          </a:xfrm>
-          <a:prstGeom prst="rect">
-            <a:avLst/>
-          </a:prstGeom>
-          <a:noFill/>
-          <a:ln w="0">
-            <a:noFill/>
-          </a:ln>
-        </p:spPr>
-        <p:txBody>
-          <a:bodyPr lIns="91440" rIns="91440" tIns="91440" bIns="91440" anchor="ctr">
-            <a:noAutofit/>
-          </a:bodyPr>
-          <a:p>
-            <a:pPr marL="457200" indent="-298440">
-              <a:lnSpc>
-                <a:spcPct val="100000"/>
-              </a:lnSpc>
-              <a:buClr>
-                <a:srgbClr val="000000"/>
-              </a:buClr>
-              <a:buFont typeface="Arial"/>
-              <a:buChar char="●"/>
-            </a:pPr>
-            <a:r>
-              <a:rPr b="1" lang="it-IT" sz="1200" spc="-1" strike="noStrike">
-                <a:solidFill>
-                  <a:srgbClr val="000000"/>
-                </a:solidFill>
-                <a:latin typeface="Arial"/>
-                <a:ea typeface="Arial"/>
-              </a:rPr>
-              <a:t>L'Internet degli cose </a:t>
-            </a:r>
-            <a:r>
-              <a:rPr b="0" lang="it-IT" sz="1200" spc="-1" strike="noStrike">
-                <a:solidFill>
-                  <a:srgbClr val="000000"/>
-                </a:solidFill>
-                <a:latin typeface="Arial"/>
-                <a:ea typeface="Arial"/>
-              </a:rPr>
-              <a:t>è la rete di </a:t>
-            </a:r>
-            <a:br>
-              <a:rPr sz="1200"/>
-            </a:br>
-            <a:r>
-              <a:rPr b="0" lang="it-IT" sz="1200" spc="-1" strike="noStrike">
-                <a:solidFill>
-                  <a:srgbClr val="000000"/>
-                </a:solidFill>
-                <a:latin typeface="Arial"/>
-                <a:ea typeface="Arial"/>
-              </a:rPr>
-              <a:t>oggetti intelligenti che contengono </a:t>
-            </a:r>
-            <a:br>
-              <a:rPr sz="1200"/>
-            </a:br>
-            <a:r>
-              <a:rPr b="0" lang="it-IT" sz="1200" spc="-1" strike="noStrike">
-                <a:solidFill>
-                  <a:srgbClr val="000000"/>
-                </a:solidFill>
-                <a:latin typeface="Arial"/>
-                <a:ea typeface="Arial"/>
-              </a:rPr>
-              <a:t>una tecnologia incorporata per </a:t>
-            </a:r>
-            <a:br>
-              <a:rPr sz="1200"/>
-            </a:br>
-            <a:r>
-              <a:rPr b="0" lang="it-IT" sz="1200" spc="-1" strike="noStrike">
-                <a:solidFill>
-                  <a:srgbClr val="000000"/>
-                </a:solidFill>
-                <a:latin typeface="Arial"/>
-                <a:ea typeface="Arial"/>
-              </a:rPr>
-              <a:t>comunicare e percepire o interagire </a:t>
-            </a:r>
-            <a:br>
-              <a:rPr sz="1200"/>
-            </a:br>
-            <a:r>
-              <a:rPr b="0" lang="it-IT" sz="1200" spc="-1" strike="noStrike">
-                <a:solidFill>
-                  <a:srgbClr val="000000"/>
-                </a:solidFill>
-                <a:latin typeface="Arial"/>
-                <a:ea typeface="Arial"/>
-              </a:rPr>
-              <a:t>con l'ambiente esterno.</a:t>
-            </a:r>
-            <a:endParaRPr b="0" lang="en-US" sz="1200" spc="-1" strike="noStrike">
-              <a:solidFill>
-                <a:srgbClr val="000000"/>
-              </a:solidFill>
-              <a:latin typeface="Arial"/>
-            </a:endParaRPr>
-          </a:p>
-          <a:p>
-            <a:pPr indent="0">
-              <a:lnSpc>
-                <a:spcPct val="100000"/>
-              </a:lnSpc>
-              <a:buNone/>
-            </a:pPr>
-            <a:endParaRPr b="0" lang="en-US" sz="1200" spc="-1" strike="noStrike">
-              <a:solidFill>
-                <a:srgbClr val="000000"/>
-              </a:solidFill>
-              <a:latin typeface="Arial"/>
-            </a:endParaRPr>
-          </a:p>
-          <a:p>
-            <a:pPr marL="457200" indent="-298440">
-              <a:lnSpc>
-                <a:spcPct val="100000"/>
-              </a:lnSpc>
-              <a:buClr>
-                <a:srgbClr val="000000"/>
-              </a:buClr>
-              <a:buFont typeface="Arial"/>
-              <a:buChar char="●"/>
-            </a:pPr>
-            <a:r>
-              <a:rPr b="0" lang="it-IT" sz="1200" spc="-1" strike="noStrike">
-                <a:solidFill>
-                  <a:srgbClr val="000000"/>
-                </a:solidFill>
-                <a:latin typeface="Arial"/>
-                <a:ea typeface="Arial"/>
-              </a:rPr>
-              <a:t>Una volta che un oggetto intelligente </a:t>
-            </a:r>
-            <a:br>
-              <a:rPr sz="1200"/>
-            </a:br>
-            <a:r>
-              <a:rPr b="0" lang="it-IT" sz="1200" spc="-1" strike="noStrike">
-                <a:solidFill>
-                  <a:srgbClr val="000000"/>
-                </a:solidFill>
-                <a:latin typeface="Arial"/>
-                <a:ea typeface="Arial"/>
-              </a:rPr>
-              <a:t>viene connesso a Internet, </a:t>
-            </a:r>
-            <a:br>
-              <a:rPr sz="1200"/>
-            </a:br>
-            <a:r>
-              <a:rPr b="0" lang="it-IT" sz="1200" spc="-1" strike="noStrike">
-                <a:solidFill>
-                  <a:srgbClr val="000000"/>
-                </a:solidFill>
-                <a:latin typeface="Arial"/>
-                <a:ea typeface="Arial"/>
-              </a:rPr>
-              <a:t>i suoi servizi diventano parte </a:t>
-            </a:r>
-            <a:br>
-              <a:rPr sz="1200"/>
-            </a:br>
-            <a:r>
-              <a:rPr b="0" lang="it-IT" sz="1200" spc="-1" strike="noStrike">
-                <a:solidFill>
-                  <a:srgbClr val="000000"/>
-                </a:solidFill>
-                <a:latin typeface="Arial"/>
-                <a:ea typeface="Arial"/>
-              </a:rPr>
-              <a:t>della rete stessa</a:t>
-            </a:r>
-            <a:endParaRPr b="0" lang="en-US" sz="1200" spc="-1" strike="noStrike">
-              <a:solidFill>
-                <a:srgbClr val="000000"/>
-              </a:solidFill>
-              <a:latin typeface="Arial"/>
-            </a:endParaRPr>
-          </a:p>
-          <a:p>
-            <a:pPr indent="0">
-              <a:lnSpc>
-                <a:spcPct val="100000"/>
-              </a:lnSpc>
-              <a:buNone/>
-            </a:pPr>
-            <a:endParaRPr b="0" lang="en-US" sz="2400" spc="-1" strike="noStrike">
-              <a:solidFill>
-                <a:srgbClr val="000000"/>
-              </a:solidFill>
-              <a:latin typeface="Arial"/>
-            </a:endParaRPr>
-          </a:p>
-        </p:txBody>
       </p:sp>
     </p:spTree>
   </p:cSld>
@@ -4357,7 +1544,7 @@
       </p:grpSpPr>
       <p:sp>
         <p:nvSpPr>
-          <p:cNvPr id="284" name="PlaceHolder 1"/>
+          <p:cNvPr id="274" name="PlaceHolder 1"/>
           <p:cNvSpPr>
             <a:spLocks noGrp="1"/>
           </p:cNvSpPr>
@@ -4416,7 +1603,7 @@
                 <a:tab algn="l" pos="2895480"/>
               </a:tabLst>
             </a:pPr>
-            <a:fld id="{0749B1AC-3C96-4681-A340-699875823990}" type="slidenum">
+            <a:fld id="{5A796A59-1D12-41CB-BF91-443C52242177}" type="slidenum">
               <a:rPr b="0" lang="it-IT" sz="1400" spc="-1" strike="noStrike">
                 <a:solidFill>
                   <a:srgbClr val="000000"/>
@@ -4437,7 +1624,7 @@
       </p:sp>
       <p:sp>
         <p:nvSpPr>
-          <p:cNvPr id="285" name="PlaceHolder 2"/>
+          <p:cNvPr id="275" name="PlaceHolder 2"/>
           <p:cNvSpPr>
             <a:spLocks noGrp="1"/>
           </p:cNvSpPr>
@@ -4457,220 +1644,6 @@
             <a:noFill/>
           </a:ln>
         </p:spPr>
-      </p:sp>
-      <p:sp>
-        <p:nvSpPr>
-          <p:cNvPr id="286" name="PlaceHolder 3"/>
-          <p:cNvSpPr>
-            <a:spLocks noGrp="1"/>
-          </p:cNvSpPr>
-          <p:nvPr>
-            <p:ph type="body"/>
-          </p:nvPr>
-        </p:nvSpPr>
-        <p:spPr>
-          <a:xfrm>
-            <a:off x="755640" y="5078520"/>
-            <a:ext cx="6048000" cy="4811400"/>
-          </a:xfrm>
-          <a:prstGeom prst="rect">
-            <a:avLst/>
-          </a:prstGeom>
-          <a:noFill/>
-          <a:ln w="0">
-            <a:noFill/>
-          </a:ln>
-        </p:spPr>
-        <p:txBody>
-          <a:bodyPr lIns="91440" rIns="91440" tIns="91440" bIns="91440" anchor="ctr">
-            <a:noAutofit/>
-          </a:bodyPr>
-          <a:p>
-            <a:pPr marL="457200" indent="-298440">
-              <a:lnSpc>
-                <a:spcPct val="100000"/>
-              </a:lnSpc>
-              <a:buClr>
-                <a:srgbClr val="000000"/>
-              </a:buClr>
-              <a:buFont typeface="Arial"/>
-              <a:buChar char="●"/>
-            </a:pPr>
-            <a:r>
-              <a:rPr b="1" lang="it-IT" sz="1200" spc="-1" strike="noStrike">
-                <a:solidFill>
-                  <a:srgbClr val="000000"/>
-                </a:solidFill>
-                <a:latin typeface="Arial"/>
-                <a:ea typeface="Arial"/>
-              </a:rPr>
-              <a:t>L'Internet degli cose </a:t>
-            </a:r>
-            <a:r>
-              <a:rPr b="0" lang="it-IT" sz="1200" spc="-1" strike="noStrike">
-                <a:solidFill>
-                  <a:srgbClr val="000000"/>
-                </a:solidFill>
-                <a:latin typeface="Arial"/>
-                <a:ea typeface="Arial"/>
-              </a:rPr>
-              <a:t>è la rete di </a:t>
-            </a:r>
-            <a:br>
-              <a:rPr sz="1200"/>
-            </a:br>
-            <a:r>
-              <a:rPr b="0" lang="it-IT" sz="1200" spc="-1" strike="noStrike">
-                <a:solidFill>
-                  <a:srgbClr val="000000"/>
-                </a:solidFill>
-                <a:latin typeface="Arial"/>
-                <a:ea typeface="Arial"/>
-              </a:rPr>
-              <a:t>oggetti intelligenti che contengono </a:t>
-            </a:r>
-            <a:br>
-              <a:rPr sz="1200"/>
-            </a:br>
-            <a:r>
-              <a:rPr b="0" lang="it-IT" sz="1200" spc="-1" strike="noStrike">
-                <a:solidFill>
-                  <a:srgbClr val="000000"/>
-                </a:solidFill>
-                <a:latin typeface="Arial"/>
-                <a:ea typeface="Arial"/>
-              </a:rPr>
-              <a:t>una tecnologia incorporata per </a:t>
-            </a:r>
-            <a:br>
-              <a:rPr sz="1200"/>
-            </a:br>
-            <a:r>
-              <a:rPr b="0" lang="it-IT" sz="1200" spc="-1" strike="noStrike">
-                <a:solidFill>
-                  <a:srgbClr val="000000"/>
-                </a:solidFill>
-                <a:latin typeface="Arial"/>
-                <a:ea typeface="Arial"/>
-              </a:rPr>
-              <a:t>comunicare e percepire o interagire </a:t>
-            </a:r>
-            <a:br>
-              <a:rPr sz="1200"/>
-            </a:br>
-            <a:r>
-              <a:rPr b="0" lang="it-IT" sz="1200" spc="-1" strike="noStrike">
-                <a:solidFill>
-                  <a:srgbClr val="000000"/>
-                </a:solidFill>
-                <a:latin typeface="Arial"/>
-                <a:ea typeface="Arial"/>
-              </a:rPr>
-              <a:t>con l'ambiente esterno.</a:t>
-            </a:r>
-            <a:endParaRPr b="0" lang="en-US" sz="1200" spc="-1" strike="noStrike">
-              <a:solidFill>
-                <a:srgbClr val="000000"/>
-              </a:solidFill>
-              <a:latin typeface="Arial"/>
-            </a:endParaRPr>
-          </a:p>
-          <a:p>
-            <a:pPr indent="0">
-              <a:lnSpc>
-                <a:spcPct val="100000"/>
-              </a:lnSpc>
-              <a:buNone/>
-            </a:pPr>
-            <a:endParaRPr b="0" lang="en-US" sz="1200" spc="-1" strike="noStrike">
-              <a:solidFill>
-                <a:srgbClr val="000000"/>
-              </a:solidFill>
-              <a:latin typeface="Arial"/>
-            </a:endParaRPr>
-          </a:p>
-          <a:p>
-            <a:pPr marL="457200" indent="-298440">
-              <a:lnSpc>
-                <a:spcPct val="100000"/>
-              </a:lnSpc>
-              <a:buClr>
-                <a:srgbClr val="000000"/>
-              </a:buClr>
-              <a:buFont typeface="Arial"/>
-              <a:buChar char="●"/>
-            </a:pPr>
-            <a:r>
-              <a:rPr b="0" lang="it-IT" sz="1200" spc="-1" strike="noStrike">
-                <a:solidFill>
-                  <a:srgbClr val="000000"/>
-                </a:solidFill>
-                <a:latin typeface="Arial"/>
-                <a:ea typeface="Arial"/>
-              </a:rPr>
-              <a:t>Una volta che un oggetto intelligente </a:t>
-            </a:r>
-            <a:br>
-              <a:rPr sz="1200"/>
-            </a:br>
-            <a:r>
-              <a:rPr b="0" lang="it-IT" sz="1200" spc="-1" strike="noStrike">
-                <a:solidFill>
-                  <a:srgbClr val="000000"/>
-                </a:solidFill>
-                <a:latin typeface="Arial"/>
-                <a:ea typeface="Arial"/>
-              </a:rPr>
-              <a:t>viene connesso a Internet, </a:t>
-            </a:r>
-            <a:br>
-              <a:rPr sz="1200"/>
-            </a:br>
-            <a:r>
-              <a:rPr b="0" lang="it-IT" sz="1200" spc="-1" strike="noStrike">
-                <a:solidFill>
-                  <a:srgbClr val="000000"/>
-                </a:solidFill>
-                <a:latin typeface="Arial"/>
-                <a:ea typeface="Arial"/>
-              </a:rPr>
-              <a:t>i suoi servizi diventano parte </a:t>
-            </a:r>
-            <a:br>
-              <a:rPr sz="1200"/>
-            </a:br>
-            <a:r>
-              <a:rPr b="0" lang="it-IT" sz="1200" spc="-1" strike="noStrike">
-                <a:solidFill>
-                  <a:srgbClr val="000000"/>
-                </a:solidFill>
-                <a:latin typeface="Arial"/>
-                <a:ea typeface="Arial"/>
-              </a:rPr>
-              <a:t>della rete stessa</a:t>
-            </a:r>
-            <a:endParaRPr b="0" lang="en-US" sz="1200" spc="-1" strike="noStrike">
-              <a:solidFill>
-                <a:srgbClr val="000000"/>
-              </a:solidFill>
-              <a:latin typeface="Arial"/>
-            </a:endParaRPr>
-          </a:p>
-          <a:p>
-            <a:pPr indent="0">
-              <a:lnSpc>
-                <a:spcPct val="100000"/>
-              </a:lnSpc>
-              <a:buNone/>
-            </a:pPr>
-            <a:endParaRPr b="0" lang="en-US" sz="2400" spc="-1" strike="noStrike">
-              <a:solidFill>
-                <a:srgbClr val="000000"/>
-              </a:solidFill>
-              <a:latin typeface="Arial"/>
-            </a:endParaRPr>
-          </a:p>
-        </p:txBody>
       </p:sp>
     </p:spTree>
   </p:cSld>
@@ -5422,7 +2395,7 @@
         <p:txBody>
           <a:bodyPr/>
           <a:p>
-            <a:fld id="{3A2A06A8-2129-4F1C-8780-7CC9A888CE88}" type="slidenum">
+            <a:fld id="{05392441-7A54-4428-8A60-3843DA89D457}" type="slidenum">
               <a:t>&lt;#&gt;</a:t>
             </a:fld>
           </a:p>
@@ -5564,7 +2537,7 @@
         <p:txBody>
           <a:bodyPr/>
           <a:p>
-            <a:fld id="{E217FBAA-FF4E-4648-A5B2-35752C73EF2F}" type="slidenum">
+            <a:fld id="{169DE18F-1BCC-4FB1-BB98-2F7A1F3048FE}" type="slidenum">
               <a:t>&lt;#&gt;</a:t>
             </a:fld>
           </a:p>
@@ -10717,7 +7690,7 @@
                 <a:tab algn="l" pos="0"/>
               </a:tabLst>
             </a:pPr>
-            <a:fld id="{C50C6993-CC95-4609-8397-115666FF7D8F}" type="slidenum">
+            <a:fld id="{6A353F8F-E5EA-4AA3-9C1E-193D1D3495D8}" type="slidenum">
               <a:rPr b="0" lang="it-IT" sz="800" spc="-1" strike="noStrike">
                 <a:solidFill>
                   <a:srgbClr val="000000"/>
@@ -10993,7 +7966,7 @@
                 <a:tab algn="l" pos="0"/>
               </a:tabLst>
             </a:pPr>
-            <a:fld id="{4BCA3FA7-86A0-4BBB-8009-D253BE0AFD65}" type="slidenum">
+            <a:fld id="{5FCC1487-13EE-43E8-8359-37E3B6F33FF3}" type="slidenum">
               <a:rPr b="0" lang="it-IT" sz="989" spc="-1" strike="noStrike">
                 <a:solidFill>
                   <a:srgbClr val="888888"/>
@@ -20567,10 +17540,10 @@
         </p:nvGrpSpPr>
         <p:grpSpPr>
           <a:xfrm>
-            <a:off x="2057400" y="913680"/>
-            <a:ext cx="5713200" cy="5715720"/>
-            <a:chOff x="2057400" y="913680"/>
-            <a:chExt cx="5713200" cy="5715720"/>
+            <a:off x="2057400" y="912240"/>
+            <a:ext cx="5713200" cy="5717160"/>
+            <a:chOff x="2057400" y="912240"/>
+            <a:chExt cx="5713200" cy="5717160"/>
           </a:xfrm>
         </p:grpSpPr>
         <p:sp>
@@ -20621,7 +17594,7 @@
             <a:p>
               <a:endParaRPr b="0" lang="en-US" sz="1800" spc="-1" strike="noStrike">
                 <a:solidFill>
-                  <a:srgbClr val="000000"/>
+                  <a:srgbClr val="ffffff"/>
                 </a:solidFill>
                 <a:latin typeface="Arial"/>
                 <a:ea typeface="Microsoft YaHei"/>
@@ -20637,7 +17610,7 @@
           </p:nvSpPr>
           <p:spPr>
             <a:xfrm flipH="1" flipV="1" rot="18900000">
-              <a:off x="2893680" y="1749960"/>
+              <a:off x="2893680" y="1748520"/>
               <a:ext cx="4039920" cy="4039560"/>
             </a:xfrm>
             <a:prstGeom prst="circularArrow">
@@ -21051,10 +18024,10 @@
         </p:nvGrpSpPr>
         <p:grpSpPr>
           <a:xfrm>
-            <a:off x="2070360" y="1141560"/>
-            <a:ext cx="5713200" cy="5715720"/>
-            <a:chOff x="2070360" y="1141560"/>
-            <a:chExt cx="5713200" cy="5715720"/>
+            <a:off x="2070360" y="1140120"/>
+            <a:ext cx="5713200" cy="5717160"/>
+            <a:chOff x="2070360" y="1140120"/>
+            <a:chExt cx="5713200" cy="5717160"/>
           </a:xfrm>
         </p:grpSpPr>
         <p:sp>
@@ -21105,7 +18078,7 @@
             <a:p>
               <a:endParaRPr b="0" lang="en-US" sz="1800" spc="-1" strike="noStrike">
                 <a:solidFill>
-                  <a:srgbClr val="000000"/>
+                  <a:srgbClr val="ffffff"/>
                 </a:solidFill>
                 <a:latin typeface="Arial"/>
                 <a:ea typeface="Microsoft YaHei"/>
@@ -21121,7 +18094,7 @@
           </p:nvSpPr>
           <p:spPr>
             <a:xfrm flipH="1" flipV="1" rot="18900000">
-              <a:off x="2906640" y="1977840"/>
+              <a:off x="2906640" y="1976400"/>
               <a:ext cx="4039920" cy="4039560"/>
             </a:xfrm>
             <a:prstGeom prst="circularArrow">
@@ -22288,16 +19261,6 @@
             <a:noAutofit/>
           </a:bodyPr>
           <a:p>
-            <a:pPr marL="457200" indent="-457200">
-              <a:lnSpc>
-                <a:spcPct val="100000"/>
-              </a:lnSpc>
-              <a:buClr>
-                <a:srgbClr val="000000"/>
-              </a:buClr>
-              <a:buFont typeface="Arial"/>
-              <a:buChar char="•"/>
-            </a:pPr>
             <a:endParaRPr b="0" lang="en-US" sz="1400" spc="-1" strike="noStrike">
               <a:solidFill>
                 <a:srgbClr val="000000"/>
@@ -23148,7 +20111,7 @@
           <a:p>
             <a:endParaRPr b="0" lang="en-US" sz="1800" spc="-1" strike="noStrike">
               <a:solidFill>
-                <a:srgbClr val="000000"/>
+                <a:srgbClr val="ffffff"/>
               </a:solidFill>
               <a:latin typeface="Arial"/>
               <a:ea typeface="Microsoft YaHei"/>
@@ -23326,7 +20289,7 @@
           <a:p>
             <a:endParaRPr b="0" lang="en-US" sz="1800" spc="-1" strike="noStrike">
               <a:solidFill>
-                <a:srgbClr val="000000"/>
+                <a:srgbClr val="ffffff"/>
               </a:solidFill>
               <a:latin typeface="Arial"/>
               <a:ea typeface="Microsoft YaHei"/>
@@ -23378,7 +20341,7 @@
           <a:p>
             <a:endParaRPr b="0" lang="en-US" sz="1800" spc="-1" strike="noStrike">
               <a:solidFill>
-                <a:srgbClr val="000000"/>
+                <a:srgbClr val="ffffff"/>
               </a:solidFill>
               <a:latin typeface="Arial"/>
               <a:ea typeface="Microsoft YaHei"/>
@@ -23430,7 +20393,7 @@
           <a:p>
             <a:endParaRPr b="0" lang="en-US" sz="1800" spc="-1" strike="noStrike">
               <a:solidFill>
-                <a:srgbClr val="000000"/>
+                <a:srgbClr val="ffffff"/>
               </a:solidFill>
               <a:latin typeface="Arial"/>
               <a:ea typeface="Microsoft YaHei"/>
@@ -23482,7 +20445,7 @@
           <a:p>
             <a:endParaRPr b="0" lang="en-US" sz="1800" spc="-1" strike="noStrike">
               <a:solidFill>
-                <a:srgbClr val="000000"/>
+                <a:srgbClr val="ffffff"/>
               </a:solidFill>
               <a:latin typeface="Arial"/>
               <a:ea typeface="Microsoft YaHei"/>
@@ -23534,7 +20497,7 @@
           <a:p>
             <a:endParaRPr b="0" lang="en-US" sz="1800" spc="-1" strike="noStrike">
               <a:solidFill>
-                <a:srgbClr val="000000"/>
+                <a:srgbClr val="ffffff"/>
               </a:solidFill>
               <a:latin typeface="Arial"/>
               <a:ea typeface="Microsoft YaHei"/>
@@ -23586,7 +20549,7 @@
           <a:p>
             <a:endParaRPr b="0" lang="en-US" sz="1800" spc="-1" strike="noStrike">
               <a:solidFill>
-                <a:srgbClr val="000000"/>
+                <a:srgbClr val="ffffff"/>
               </a:solidFill>
               <a:latin typeface="Arial"/>
               <a:ea typeface="Microsoft YaHei"/>
@@ -23638,7 +20601,7 @@
           <a:p>
             <a:endParaRPr b="0" lang="en-US" sz="1800" spc="-1" strike="noStrike">
               <a:solidFill>
-                <a:srgbClr val="000000"/>
+                <a:srgbClr val="ffffff"/>
               </a:solidFill>
               <a:latin typeface="Arial"/>
               <a:ea typeface="Microsoft YaHei"/>
@@ -23690,7 +20653,7 @@
           <a:p>
             <a:endParaRPr b="0" lang="en-US" sz="1800" spc="-1" strike="noStrike">
               <a:solidFill>
-                <a:srgbClr val="000000"/>
+                <a:srgbClr val="ffffff"/>
               </a:solidFill>
               <a:latin typeface="Arial"/>
               <a:ea typeface="Microsoft YaHei"/>
@@ -23742,7 +20705,7 @@
           <a:p>
             <a:endParaRPr b="0" lang="en-US" sz="1800" spc="-1" strike="noStrike">
               <a:solidFill>
-                <a:srgbClr val="000000"/>
+                <a:srgbClr val="ffffff"/>
               </a:solidFill>
               <a:latin typeface="Arial"/>
               <a:ea typeface="Microsoft YaHei"/>
@@ -23781,7 +20744,7 @@
           <a:p>
             <a:endParaRPr b="0" lang="en-US" sz="1800" spc="-1" strike="noStrike">
               <a:solidFill>
-                <a:srgbClr val="000000"/>
+                <a:srgbClr val="ffffff"/>
               </a:solidFill>
               <a:latin typeface="Arial"/>
               <a:ea typeface="Microsoft YaHei"/>
@@ -24499,7 +21462,7 @@
             <a:p>
               <a:endParaRPr b="0" lang="en-US" sz="1800" spc="-1" strike="noStrike">
                 <a:solidFill>
-                  <a:srgbClr val="000000"/>
+                  <a:srgbClr val="ffffff"/>
                 </a:solidFill>
                 <a:latin typeface="Arial"/>
                 <a:ea typeface="Microsoft YaHei"/>
@@ -24705,7 +21668,7 @@
             <a:p>
               <a:endParaRPr b="0" lang="en-US" sz="1800" spc="-1" strike="noStrike">
                 <a:solidFill>
-                  <a:srgbClr val="000000"/>
+                  <a:srgbClr val="ffffff"/>
                 </a:solidFill>
                 <a:latin typeface="Arial"/>
                 <a:ea typeface="Microsoft YaHei"/>
@@ -24816,7 +21779,7 @@
             <a:p>
               <a:endParaRPr b="0" lang="en-US" sz="1800" spc="-1" strike="noStrike">
                 <a:solidFill>
-                  <a:srgbClr val="000000"/>
+                  <a:srgbClr val="ffffff"/>
                 </a:solidFill>
                 <a:latin typeface="Arial"/>
                 <a:ea typeface="Microsoft YaHei"/>
@@ -24893,7 +21856,7 @@
             <a:p>
               <a:endParaRPr b="0" lang="en-US" sz="1800" spc="-1" strike="noStrike">
                 <a:solidFill>
-                  <a:srgbClr val="000000"/>
+                  <a:srgbClr val="ffffff"/>
                 </a:solidFill>
                 <a:latin typeface="Arial"/>
                 <a:ea typeface="Microsoft YaHei"/>
@@ -24963,7 +21926,7 @@
             <a:p>
               <a:endParaRPr b="0" lang="en-US" sz="1800" spc="-1" strike="noStrike">
                 <a:solidFill>
-                  <a:srgbClr val="000000"/>
+                  <a:srgbClr val="ffffff"/>
                 </a:solidFill>
                 <a:latin typeface="Arial"/>
                 <a:ea typeface="Microsoft YaHei"/>
@@ -25023,7 +21986,7 @@
             <a:p>
               <a:endParaRPr b="0" lang="en-US" sz="1800" spc="-1" strike="noStrike">
                 <a:solidFill>
-                  <a:srgbClr val="000000"/>
+                  <a:srgbClr val="ffffff"/>
                 </a:solidFill>
                 <a:latin typeface="Arial"/>
                 <a:ea typeface="Microsoft YaHei"/>
@@ -25134,7 +22097,7 @@
             <a:p>
               <a:endParaRPr b="0" lang="en-US" sz="1800" spc="-1" strike="noStrike">
                 <a:solidFill>
-                  <a:srgbClr val="000000"/>
+                  <a:srgbClr val="ffffff"/>
                 </a:solidFill>
                 <a:latin typeface="Arial"/>
                 <a:ea typeface="Microsoft YaHei"/>
@@ -25211,7 +22174,7 @@
             <a:p>
               <a:endParaRPr b="0" lang="en-US" sz="1800" spc="-1" strike="noStrike">
                 <a:solidFill>
-                  <a:srgbClr val="000000"/>
+                  <a:srgbClr val="ffffff"/>
                 </a:solidFill>
                 <a:latin typeface="Arial"/>
                 <a:ea typeface="Microsoft YaHei"/>
@@ -25281,7 +22244,7 @@
             <a:p>
               <a:endParaRPr b="0" lang="en-US" sz="1800" spc="-1" strike="noStrike">
                 <a:solidFill>
-                  <a:srgbClr val="000000"/>
+                  <a:srgbClr val="ffffff"/>
                 </a:solidFill>
                 <a:latin typeface="Arial"/>
                 <a:ea typeface="Microsoft YaHei"/>
@@ -27119,7 +24082,7 @@
         </p:nvSpPr>
         <p:spPr>
           <a:xfrm flipH="1">
-            <a:off x="3197880" y="2514600"/>
+            <a:off x="3196440" y="2514600"/>
             <a:ext cx="1571400" cy="914400"/>
           </a:xfrm>
           <a:prstGeom prst="notchedRightArrow">
@@ -27616,7 +24579,7 @@
             </a:r>
             <a:endParaRPr b="0" lang="en-US" sz="2400" spc="-1" strike="noStrike">
               <a:solidFill>
-                <a:srgbClr val="000000"/>
+                <a:srgbClr val="ffffff"/>
               </a:solidFill>
               <a:latin typeface="Arial"/>
               <a:ea typeface="Microsoft YaHei"/>
@@ -27679,7 +24642,7 @@
             </a:r>
             <a:endParaRPr b="0" lang="en-US" sz="2400" spc="-1" strike="noStrike">
               <a:solidFill>
-                <a:srgbClr val="000000"/>
+                <a:srgbClr val="ffffff"/>
               </a:solidFill>
               <a:latin typeface="Arial"/>
               <a:ea typeface="Microsoft YaHei"/>
@@ -28718,7 +25681,7 @@
             <a:r>
               <a:rPr b="0" lang="en-US" sz="2800" spc="-1" strike="noStrike">
                 <a:solidFill>
-                  <a:srgbClr val="000000"/>
+                  <a:srgbClr val="ffffff"/>
                 </a:solidFill>
                 <a:latin typeface="Arial"/>
                 <a:ea typeface="Microsoft YaHei"/>
@@ -28727,7 +25690,7 @@
             </a:r>
             <a:endParaRPr b="0" lang="en-US" sz="2800" spc="-1" strike="noStrike">
               <a:solidFill>
-                <a:srgbClr val="000000"/>
+                <a:srgbClr val="ffffff"/>
               </a:solidFill>
               <a:latin typeface="Arial"/>
               <a:ea typeface="Microsoft YaHei"/>
